--- a/Youtube Trending video analysis.pptx
+++ b/Youtube Trending video analysis.pptx
@@ -5,7 +5,7 @@
     <p:sldMasterId id="2147483648" r:id="rId4"/>
   </p:sldMasterIdLst>
   <p:notesMasterIdLst>
-    <p:notesMasterId r:id="rId15"/>
+    <p:notesMasterId r:id="rId19"/>
   </p:notesMasterIdLst>
   <p:sldIdLst>
     <p:sldId id="258" r:id="rId5"/>
@@ -15,9 +15,13 @@
     <p:sldId id="278" r:id="rId9"/>
     <p:sldId id="277" r:id="rId10"/>
     <p:sldId id="279" r:id="rId11"/>
-    <p:sldId id="273" r:id="rId12"/>
-    <p:sldId id="280" r:id="rId13"/>
-    <p:sldId id="276" r:id="rId14"/>
+    <p:sldId id="281" r:id="rId12"/>
+    <p:sldId id="282" r:id="rId13"/>
+    <p:sldId id="273" r:id="rId14"/>
+    <p:sldId id="283" r:id="rId15"/>
+    <p:sldId id="284" r:id="rId16"/>
+    <p:sldId id="280" r:id="rId17"/>
+    <p:sldId id="276" r:id="rId18"/>
   </p:sldIdLst>
   <p:sldSz cx="12192000" cy="6858000"/>
   <p:notesSz cx="6858000" cy="9144000"/>
@@ -217,7 +221,7 @@
           <a:p>
             <a:fld id="{0AEFB4FA-E877-413E-B608-88789D806C57}" type="datetimeFigureOut">
               <a:rPr lang="en-IN" smtClean="0"/>
-              <a:t>26-09-2018</a:t>
+              <a:t>26/09/18</a:t>
             </a:fld>
             <a:endParaRPr lang="en-IN" dirty="0"/>
           </a:p>
@@ -16662,7 +16666,7 @@
           <a:p>
             <a:fld id="{D951F27F-98F9-A147-8986-34441C7B752D}" type="datetime1">
               <a:rPr lang="en-IN" smtClean="0"/>
-              <a:t>26-09-2018</a:t>
+              <a:t>26/09/18</a:t>
             </a:fld>
             <a:endParaRPr lang="en-IN" dirty="0"/>
           </a:p>
@@ -17272,6 +17276,709 @@
           <a:chExt cx="0" cy="0"/>
         </a:xfrm>
       </p:grpSpPr>
+      <p:sp>
+        <p:nvSpPr>
+          <p:cNvPr id="2" name="Title 1">
+            <a:extLst>
+              <a:ext uri="{FF2B5EF4-FFF2-40B4-BE49-F238E27FC236}">
+                <a16:creationId xmlns:a16="http://schemas.microsoft.com/office/drawing/2014/main" id="{4332B532-EB3E-428B-9224-EFA237D16A73}"/>
+              </a:ext>
+            </a:extLst>
+          </p:cNvPr>
+          <p:cNvSpPr>
+            <a:spLocks noGrp="1"/>
+          </p:cNvSpPr>
+          <p:nvPr>
+            <p:ph type="title"/>
+          </p:nvPr>
+        </p:nvSpPr>
+        <p:spPr/>
+        <p:txBody>
+          <a:bodyPr/>
+          <a:lstStyle/>
+          <a:p>
+            <a:r>
+              <a:rPr lang="en-IN" dirty="0"/>
+              <a:t>Aside from Music and Entertainment, what else is trending?</a:t>
+            </a:r>
+          </a:p>
+        </p:txBody>
+      </p:sp>
+      <p:sp>
+        <p:nvSpPr>
+          <p:cNvPr id="3" name="Slide Number Placeholder 2">
+            <a:extLst>
+              <a:ext uri="{FF2B5EF4-FFF2-40B4-BE49-F238E27FC236}">
+                <a16:creationId xmlns:a16="http://schemas.microsoft.com/office/drawing/2014/main" id="{EB5F9B50-CED9-4961-91E8-058BE256771F}"/>
+              </a:ext>
+            </a:extLst>
+          </p:cNvPr>
+          <p:cNvSpPr>
+            <a:spLocks noGrp="1"/>
+          </p:cNvSpPr>
+          <p:nvPr>
+            <p:ph type="sldNum" sz="quarter" idx="12"/>
+          </p:nvPr>
+        </p:nvSpPr>
+        <p:spPr/>
+        <p:txBody>
+          <a:bodyPr/>
+          <a:lstStyle/>
+          <a:p>
+            <a:fld id="{9EC71654-96A5-4280-94F3-931C61A9F92C}" type="slidenum">
+              <a:rPr lang="en-IN" smtClean="0"/>
+              <a:pPr/>
+              <a:t>10</a:t>
+            </a:fld>
+            <a:endParaRPr lang="en-IN" dirty="0"/>
+          </a:p>
+        </p:txBody>
+      </p:sp>
+      <p:sp>
+        <p:nvSpPr>
+          <p:cNvPr id="7" name="TextBox 6">
+            <a:extLst>
+              <a:ext uri="{FF2B5EF4-FFF2-40B4-BE49-F238E27FC236}">
+                <a16:creationId xmlns:a16="http://schemas.microsoft.com/office/drawing/2014/main" id="{677EE214-B74B-4C2E-B019-51E5F3E479FE}"/>
+              </a:ext>
+            </a:extLst>
+          </p:cNvPr>
+          <p:cNvSpPr txBox="1"/>
+          <p:nvPr/>
+        </p:nvSpPr>
+        <p:spPr>
+          <a:xfrm>
+            <a:off x="195072" y="6010656"/>
+            <a:ext cx="1694688" cy="847344"/>
+          </a:xfrm>
+          <a:prstGeom prst="rect">
+            <a:avLst/>
+          </a:prstGeom>
+          <a:solidFill>
+            <a:schemeClr val="bg1"/>
+          </a:solidFill>
+        </p:spPr>
+        <p:txBody>
+          <a:bodyPr wrap="square" rtlCol="0">
+            <a:spAutoFit/>
+          </a:bodyPr>
+          <a:lstStyle/>
+          <a:p>
+            <a:endParaRPr lang="en-US" dirty="0"/>
+          </a:p>
+        </p:txBody>
+      </p:sp>
+      <p:pic>
+        <p:nvPicPr>
+          <p:cNvPr id="20" name="Picture 19">
+            <a:extLst>
+              <a:ext uri="{FF2B5EF4-FFF2-40B4-BE49-F238E27FC236}">
+                <a16:creationId xmlns:a16="http://schemas.microsoft.com/office/drawing/2014/main" id="{863F6C74-7C0A-4A1B-94AD-0373EAB79BEF}"/>
+              </a:ext>
+            </a:extLst>
+          </p:cNvPr>
+          <p:cNvPicPr>
+            <a:picLocks noChangeAspect="1"/>
+          </p:cNvPicPr>
+          <p:nvPr/>
+        </p:nvPicPr>
+        <p:blipFill>
+          <a:blip r:embed="rId2"/>
+          <a:stretch>
+            <a:fillRect/>
+          </a:stretch>
+        </p:blipFill>
+        <p:spPr>
+          <a:xfrm>
+            <a:off x="6102116" y="4208133"/>
+            <a:ext cx="3667125" cy="2390775"/>
+          </a:xfrm>
+          <a:prstGeom prst="rect">
+            <a:avLst/>
+          </a:prstGeom>
+        </p:spPr>
+      </p:pic>
+      <p:pic>
+        <p:nvPicPr>
+          <p:cNvPr id="22" name="Picture 21">
+            <a:extLst>
+              <a:ext uri="{FF2B5EF4-FFF2-40B4-BE49-F238E27FC236}">
+                <a16:creationId xmlns:a16="http://schemas.microsoft.com/office/drawing/2014/main" id="{5782AE2F-C787-48EB-A7C8-DC738670023A}"/>
+              </a:ext>
+            </a:extLst>
+          </p:cNvPr>
+          <p:cNvPicPr>
+            <a:picLocks noChangeAspect="1"/>
+          </p:cNvPicPr>
+          <p:nvPr/>
+        </p:nvPicPr>
+        <p:blipFill>
+          <a:blip r:embed="rId3"/>
+          <a:stretch>
+            <a:fillRect/>
+          </a:stretch>
+        </p:blipFill>
+        <p:spPr>
+          <a:xfrm>
+            <a:off x="820868" y="4158647"/>
+            <a:ext cx="3667125" cy="2390775"/>
+          </a:xfrm>
+          <a:prstGeom prst="rect">
+            <a:avLst/>
+          </a:prstGeom>
+        </p:spPr>
+      </p:pic>
+      <p:pic>
+        <p:nvPicPr>
+          <p:cNvPr id="24" name="Picture 23">
+            <a:extLst>
+              <a:ext uri="{FF2B5EF4-FFF2-40B4-BE49-F238E27FC236}">
+                <a16:creationId xmlns:a16="http://schemas.microsoft.com/office/drawing/2014/main" id="{102CB64C-471B-4509-9F72-340066869D0D}"/>
+              </a:ext>
+            </a:extLst>
+          </p:cNvPr>
+          <p:cNvPicPr>
+            <a:picLocks noChangeAspect="1"/>
+          </p:cNvPicPr>
+          <p:nvPr/>
+        </p:nvPicPr>
+        <p:blipFill>
+          <a:blip r:embed="rId4"/>
+          <a:stretch>
+            <a:fillRect/>
+          </a:stretch>
+        </p:blipFill>
+        <p:spPr>
+          <a:xfrm>
+            <a:off x="6091238" y="1398059"/>
+            <a:ext cx="3638550" cy="2390775"/>
+          </a:xfrm>
+          <a:prstGeom prst="rect">
+            <a:avLst/>
+          </a:prstGeom>
+        </p:spPr>
+      </p:pic>
+      <p:pic>
+        <p:nvPicPr>
+          <p:cNvPr id="26" name="Picture 25">
+            <a:extLst>
+              <a:ext uri="{FF2B5EF4-FFF2-40B4-BE49-F238E27FC236}">
+                <a16:creationId xmlns:a16="http://schemas.microsoft.com/office/drawing/2014/main" id="{DF22324B-C529-4475-99C9-D0BB6D3742B7}"/>
+              </a:ext>
+            </a:extLst>
+          </p:cNvPr>
+          <p:cNvPicPr>
+            <a:picLocks noChangeAspect="1"/>
+          </p:cNvPicPr>
+          <p:nvPr/>
+        </p:nvPicPr>
+        <p:blipFill>
+          <a:blip r:embed="rId5"/>
+          <a:stretch>
+            <a:fillRect/>
+          </a:stretch>
+        </p:blipFill>
+        <p:spPr>
+          <a:xfrm>
+            <a:off x="839918" y="1398059"/>
+            <a:ext cx="3648075" cy="2390775"/>
+          </a:xfrm>
+          <a:prstGeom prst="rect">
+            <a:avLst/>
+          </a:prstGeom>
+        </p:spPr>
+      </p:pic>
+    </p:spTree>
+    <p:extLst>
+      <p:ext uri="{BB962C8B-B14F-4D97-AF65-F5344CB8AC3E}">
+        <p14:creationId xmlns:p14="http://schemas.microsoft.com/office/powerpoint/2010/main" val="1169930804"/>
+      </p:ext>
+    </p:extLst>
+  </p:cSld>
+  <p:clrMapOvr>
+    <a:masterClrMapping/>
+  </p:clrMapOvr>
+</p:sld>
+</file>
+
+<file path=ppt/slides/slide11.xml><?xml version="1.0" encoding="utf-8"?>
+<p:sld xmlns:a="http://schemas.openxmlformats.org/drawingml/2006/main" xmlns:r="http://schemas.openxmlformats.org/officeDocument/2006/relationships" xmlns:p="http://schemas.openxmlformats.org/presentationml/2006/main">
+  <p:cSld>
+    <p:spTree>
+      <p:nvGrpSpPr>
+        <p:cNvPr id="1" name=""/>
+        <p:cNvGrpSpPr/>
+        <p:nvPr/>
+      </p:nvGrpSpPr>
+      <p:grpSpPr>
+        <a:xfrm>
+          <a:off x="0" y="0"/>
+          <a:ext cx="0" cy="0"/>
+          <a:chOff x="0" y="0"/>
+          <a:chExt cx="0" cy="0"/>
+        </a:xfrm>
+      </p:grpSpPr>
+      <p:sp>
+        <p:nvSpPr>
+          <p:cNvPr id="2" name="Title 1">
+            <a:extLst>
+              <a:ext uri="{FF2B5EF4-FFF2-40B4-BE49-F238E27FC236}">
+                <a16:creationId xmlns:a16="http://schemas.microsoft.com/office/drawing/2014/main" id="{4332B532-EB3E-428B-9224-EFA237D16A73}"/>
+              </a:ext>
+            </a:extLst>
+          </p:cNvPr>
+          <p:cNvSpPr>
+            <a:spLocks noGrp="1"/>
+          </p:cNvSpPr>
+          <p:nvPr>
+            <p:ph type="title"/>
+          </p:nvPr>
+        </p:nvSpPr>
+        <p:spPr/>
+        <p:txBody>
+          <a:bodyPr/>
+          <a:lstStyle/>
+          <a:p>
+            <a:r>
+              <a:rPr lang="en-IN" dirty="0"/>
+              <a:t>VIDEO COUNTS IN THE US</a:t>
+            </a:r>
+          </a:p>
+        </p:txBody>
+      </p:sp>
+      <p:sp>
+        <p:nvSpPr>
+          <p:cNvPr id="3" name="Slide Number Placeholder 2">
+            <a:extLst>
+              <a:ext uri="{FF2B5EF4-FFF2-40B4-BE49-F238E27FC236}">
+                <a16:creationId xmlns:a16="http://schemas.microsoft.com/office/drawing/2014/main" id="{EB5F9B50-CED9-4961-91E8-058BE256771F}"/>
+              </a:ext>
+            </a:extLst>
+          </p:cNvPr>
+          <p:cNvSpPr>
+            <a:spLocks noGrp="1"/>
+          </p:cNvSpPr>
+          <p:nvPr>
+            <p:ph type="sldNum" sz="quarter" idx="12"/>
+          </p:nvPr>
+        </p:nvSpPr>
+        <p:spPr/>
+        <p:txBody>
+          <a:bodyPr/>
+          <a:lstStyle/>
+          <a:p>
+            <a:fld id="{9EC71654-96A5-4280-94F3-931C61A9F92C}" type="slidenum">
+              <a:rPr lang="en-IN" smtClean="0"/>
+              <a:pPr/>
+              <a:t>11</a:t>
+            </a:fld>
+            <a:endParaRPr lang="en-IN" dirty="0"/>
+          </a:p>
+        </p:txBody>
+      </p:sp>
+      <p:sp>
+        <p:nvSpPr>
+          <p:cNvPr id="7" name="TextBox 6">
+            <a:extLst>
+              <a:ext uri="{FF2B5EF4-FFF2-40B4-BE49-F238E27FC236}">
+                <a16:creationId xmlns:a16="http://schemas.microsoft.com/office/drawing/2014/main" id="{677EE214-B74B-4C2E-B019-51E5F3E479FE}"/>
+              </a:ext>
+            </a:extLst>
+          </p:cNvPr>
+          <p:cNvSpPr txBox="1"/>
+          <p:nvPr/>
+        </p:nvSpPr>
+        <p:spPr>
+          <a:xfrm>
+            <a:off x="195072" y="6010656"/>
+            <a:ext cx="1694688" cy="847344"/>
+          </a:xfrm>
+          <a:prstGeom prst="rect">
+            <a:avLst/>
+          </a:prstGeom>
+          <a:solidFill>
+            <a:schemeClr val="bg1"/>
+          </a:solidFill>
+        </p:spPr>
+        <p:txBody>
+          <a:bodyPr wrap="square" rtlCol="0">
+            <a:spAutoFit/>
+          </a:bodyPr>
+          <a:lstStyle/>
+          <a:p>
+            <a:endParaRPr lang="en-US" dirty="0"/>
+          </a:p>
+        </p:txBody>
+      </p:sp>
+      <p:pic>
+        <p:nvPicPr>
+          <p:cNvPr id="6" name="Picture 5">
+            <a:extLst>
+              <a:ext uri="{FF2B5EF4-FFF2-40B4-BE49-F238E27FC236}">
+                <a16:creationId xmlns:a16="http://schemas.microsoft.com/office/drawing/2014/main" id="{E29BC130-F9B7-4E49-B06C-596E7736B360}"/>
+              </a:ext>
+            </a:extLst>
+          </p:cNvPr>
+          <p:cNvPicPr>
+            <a:picLocks noChangeAspect="1"/>
+          </p:cNvPicPr>
+          <p:nvPr/>
+        </p:nvPicPr>
+        <p:blipFill>
+          <a:blip r:embed="rId2"/>
+          <a:stretch>
+            <a:fillRect/>
+          </a:stretch>
+        </p:blipFill>
+        <p:spPr>
+          <a:xfrm>
+            <a:off x="1889760" y="1736122"/>
+            <a:ext cx="8354378" cy="4813300"/>
+          </a:xfrm>
+          <a:prstGeom prst="rect">
+            <a:avLst/>
+          </a:prstGeom>
+        </p:spPr>
+      </p:pic>
+    </p:spTree>
+    <p:extLst>
+      <p:ext uri="{BB962C8B-B14F-4D97-AF65-F5344CB8AC3E}">
+        <p14:creationId xmlns:p14="http://schemas.microsoft.com/office/powerpoint/2010/main" val="2277905129"/>
+      </p:ext>
+    </p:extLst>
+  </p:cSld>
+  <p:clrMapOvr>
+    <a:masterClrMapping/>
+  </p:clrMapOvr>
+</p:sld>
+</file>
+
+<file path=ppt/slides/slide12.xml><?xml version="1.0" encoding="utf-8"?>
+<p:sld xmlns:a="http://schemas.openxmlformats.org/drawingml/2006/main" xmlns:r="http://schemas.openxmlformats.org/officeDocument/2006/relationships" xmlns:p="http://schemas.openxmlformats.org/presentationml/2006/main">
+  <p:cSld>
+    <p:spTree>
+      <p:nvGrpSpPr>
+        <p:cNvPr id="1" name=""/>
+        <p:cNvGrpSpPr/>
+        <p:nvPr/>
+      </p:nvGrpSpPr>
+      <p:grpSpPr>
+        <a:xfrm>
+          <a:off x="0" y="0"/>
+          <a:ext cx="0" cy="0"/>
+          <a:chOff x="0" y="0"/>
+          <a:chExt cx="0" cy="0"/>
+        </a:xfrm>
+      </p:grpSpPr>
+      <p:sp>
+        <p:nvSpPr>
+          <p:cNvPr id="2" name="Title 1">
+            <a:extLst>
+              <a:ext uri="{FF2B5EF4-FFF2-40B4-BE49-F238E27FC236}">
+                <a16:creationId xmlns:a16="http://schemas.microsoft.com/office/drawing/2014/main" id="{4332B532-EB3E-428B-9224-EFA237D16A73}"/>
+              </a:ext>
+            </a:extLst>
+          </p:cNvPr>
+          <p:cNvSpPr>
+            <a:spLocks noGrp="1"/>
+          </p:cNvSpPr>
+          <p:nvPr>
+            <p:ph type="title"/>
+          </p:nvPr>
+        </p:nvSpPr>
+        <p:spPr/>
+        <p:txBody>
+          <a:bodyPr/>
+          <a:lstStyle/>
+          <a:p>
+            <a:r>
+              <a:rPr lang="en-IN" dirty="0"/>
+              <a:t>LIKES/VIEWS</a:t>
+            </a:r>
+          </a:p>
+        </p:txBody>
+      </p:sp>
+      <p:sp>
+        <p:nvSpPr>
+          <p:cNvPr id="3" name="Slide Number Placeholder 2">
+            <a:extLst>
+              <a:ext uri="{FF2B5EF4-FFF2-40B4-BE49-F238E27FC236}">
+                <a16:creationId xmlns:a16="http://schemas.microsoft.com/office/drawing/2014/main" id="{EB5F9B50-CED9-4961-91E8-058BE256771F}"/>
+              </a:ext>
+            </a:extLst>
+          </p:cNvPr>
+          <p:cNvSpPr>
+            <a:spLocks noGrp="1"/>
+          </p:cNvSpPr>
+          <p:nvPr>
+            <p:ph type="sldNum" sz="quarter" idx="12"/>
+          </p:nvPr>
+        </p:nvSpPr>
+        <p:spPr/>
+        <p:txBody>
+          <a:bodyPr/>
+          <a:lstStyle/>
+          <a:p>
+            <a:fld id="{9EC71654-96A5-4280-94F3-931C61A9F92C}" type="slidenum">
+              <a:rPr lang="en-IN" smtClean="0"/>
+              <a:pPr/>
+              <a:t>12</a:t>
+            </a:fld>
+            <a:endParaRPr lang="en-IN" dirty="0"/>
+          </a:p>
+        </p:txBody>
+      </p:sp>
+      <p:sp>
+        <p:nvSpPr>
+          <p:cNvPr id="7" name="TextBox 6">
+            <a:extLst>
+              <a:ext uri="{FF2B5EF4-FFF2-40B4-BE49-F238E27FC236}">
+                <a16:creationId xmlns:a16="http://schemas.microsoft.com/office/drawing/2014/main" id="{677EE214-B74B-4C2E-B019-51E5F3E479FE}"/>
+              </a:ext>
+            </a:extLst>
+          </p:cNvPr>
+          <p:cNvSpPr txBox="1"/>
+          <p:nvPr/>
+        </p:nvSpPr>
+        <p:spPr>
+          <a:xfrm>
+            <a:off x="195072" y="6010656"/>
+            <a:ext cx="1694688" cy="847344"/>
+          </a:xfrm>
+          <a:prstGeom prst="rect">
+            <a:avLst/>
+          </a:prstGeom>
+          <a:solidFill>
+            <a:schemeClr val="bg1"/>
+          </a:solidFill>
+        </p:spPr>
+        <p:txBody>
+          <a:bodyPr wrap="square" rtlCol="0">
+            <a:spAutoFit/>
+          </a:bodyPr>
+          <a:lstStyle/>
+          <a:p>
+            <a:endParaRPr lang="en-US" dirty="0"/>
+          </a:p>
+        </p:txBody>
+      </p:sp>
+      <p:pic>
+        <p:nvPicPr>
+          <p:cNvPr id="5" name="Picture 4">
+            <a:extLst>
+              <a:ext uri="{FF2B5EF4-FFF2-40B4-BE49-F238E27FC236}">
+                <a16:creationId xmlns:a16="http://schemas.microsoft.com/office/drawing/2014/main" id="{7C80816E-2B86-D343-99AD-CD5C426B39FD}"/>
+              </a:ext>
+            </a:extLst>
+          </p:cNvPr>
+          <p:cNvPicPr>
+            <a:picLocks noChangeAspect="1"/>
+          </p:cNvPicPr>
+          <p:nvPr/>
+        </p:nvPicPr>
+        <p:blipFill>
+          <a:blip r:embed="rId2"/>
+          <a:stretch>
+            <a:fillRect/>
+          </a:stretch>
+        </p:blipFill>
+        <p:spPr>
+          <a:xfrm>
+            <a:off x="2114550" y="1798828"/>
+            <a:ext cx="7315200" cy="4635500"/>
+          </a:xfrm>
+          <a:prstGeom prst="rect">
+            <a:avLst/>
+          </a:prstGeom>
+        </p:spPr>
+      </p:pic>
+    </p:spTree>
+    <p:extLst>
+      <p:ext uri="{BB962C8B-B14F-4D97-AF65-F5344CB8AC3E}">
+        <p14:creationId xmlns:p14="http://schemas.microsoft.com/office/powerpoint/2010/main" val="3649953957"/>
+      </p:ext>
+    </p:extLst>
+  </p:cSld>
+  <p:clrMapOvr>
+    <a:masterClrMapping/>
+  </p:clrMapOvr>
+</p:sld>
+</file>
+
+<file path=ppt/slides/slide13.xml><?xml version="1.0" encoding="utf-8"?>
+<p:sld xmlns:a="http://schemas.openxmlformats.org/drawingml/2006/main" xmlns:r="http://schemas.openxmlformats.org/officeDocument/2006/relationships" xmlns:p="http://schemas.openxmlformats.org/presentationml/2006/main">
+  <p:cSld>
+    <p:spTree>
+      <p:nvGrpSpPr>
+        <p:cNvPr id="1" name=""/>
+        <p:cNvGrpSpPr/>
+        <p:nvPr/>
+      </p:nvGrpSpPr>
+      <p:grpSpPr>
+        <a:xfrm>
+          <a:off x="0" y="0"/>
+          <a:ext cx="0" cy="0"/>
+          <a:chOff x="0" y="0"/>
+          <a:chExt cx="0" cy="0"/>
+        </a:xfrm>
+      </p:grpSpPr>
+      <p:sp>
+        <p:nvSpPr>
+          <p:cNvPr id="2" name="Title 1">
+            <a:extLst>
+              <a:ext uri="{FF2B5EF4-FFF2-40B4-BE49-F238E27FC236}">
+                <a16:creationId xmlns:a16="http://schemas.microsoft.com/office/drawing/2014/main" id="{4332B532-EB3E-428B-9224-EFA237D16A73}"/>
+              </a:ext>
+            </a:extLst>
+          </p:cNvPr>
+          <p:cNvSpPr>
+            <a:spLocks noGrp="1"/>
+          </p:cNvSpPr>
+          <p:nvPr>
+            <p:ph type="title"/>
+          </p:nvPr>
+        </p:nvSpPr>
+        <p:spPr>
+          <a:xfrm>
+            <a:off x="515938" y="246621"/>
+            <a:ext cx="11150600" cy="559714"/>
+          </a:xfrm>
+        </p:spPr>
+        <p:txBody>
+          <a:bodyPr/>
+          <a:lstStyle/>
+          <a:p>
+            <a:r>
+              <a:rPr lang="en-IN" dirty="0"/>
+              <a:t>Additional insights</a:t>
+            </a:r>
+          </a:p>
+        </p:txBody>
+      </p:sp>
+      <p:sp>
+        <p:nvSpPr>
+          <p:cNvPr id="3" name="Slide Number Placeholder 2">
+            <a:extLst>
+              <a:ext uri="{FF2B5EF4-FFF2-40B4-BE49-F238E27FC236}">
+                <a16:creationId xmlns:a16="http://schemas.microsoft.com/office/drawing/2014/main" id="{EB5F9B50-CED9-4961-91E8-058BE256771F}"/>
+              </a:ext>
+            </a:extLst>
+          </p:cNvPr>
+          <p:cNvSpPr>
+            <a:spLocks noGrp="1"/>
+          </p:cNvSpPr>
+          <p:nvPr>
+            <p:ph type="sldNum" sz="quarter" idx="12"/>
+          </p:nvPr>
+        </p:nvSpPr>
+        <p:spPr/>
+        <p:txBody>
+          <a:bodyPr/>
+          <a:lstStyle/>
+          <a:p>
+            <a:fld id="{9EC71654-96A5-4280-94F3-931C61A9F92C}" type="slidenum">
+              <a:rPr lang="en-IN" smtClean="0"/>
+              <a:pPr/>
+              <a:t>13</a:t>
+            </a:fld>
+            <a:endParaRPr lang="en-IN" dirty="0"/>
+          </a:p>
+        </p:txBody>
+      </p:sp>
+      <p:sp>
+        <p:nvSpPr>
+          <p:cNvPr id="7" name="TextBox 6">
+            <a:extLst>
+              <a:ext uri="{FF2B5EF4-FFF2-40B4-BE49-F238E27FC236}">
+                <a16:creationId xmlns:a16="http://schemas.microsoft.com/office/drawing/2014/main" id="{677EE214-B74B-4C2E-B019-51E5F3E479FE}"/>
+              </a:ext>
+            </a:extLst>
+          </p:cNvPr>
+          <p:cNvSpPr txBox="1"/>
+          <p:nvPr/>
+        </p:nvSpPr>
+        <p:spPr>
+          <a:xfrm>
+            <a:off x="195072" y="6010656"/>
+            <a:ext cx="1694688" cy="847344"/>
+          </a:xfrm>
+          <a:prstGeom prst="rect">
+            <a:avLst/>
+          </a:prstGeom>
+          <a:solidFill>
+            <a:schemeClr val="bg1"/>
+          </a:solidFill>
+        </p:spPr>
+        <p:txBody>
+          <a:bodyPr wrap="square" rtlCol="0">
+            <a:spAutoFit/>
+          </a:bodyPr>
+          <a:lstStyle/>
+          <a:p>
+            <a:endParaRPr lang="en-US" dirty="0"/>
+          </a:p>
+        </p:txBody>
+      </p:sp>
+      <p:pic>
+        <p:nvPicPr>
+          <p:cNvPr id="4" name="Picture 3">
+            <a:extLst>
+              <a:ext uri="{FF2B5EF4-FFF2-40B4-BE49-F238E27FC236}">
+                <a16:creationId xmlns:a16="http://schemas.microsoft.com/office/drawing/2014/main" id="{8547994B-9A48-4163-8B0D-BC440CEDD662}"/>
+              </a:ext>
+            </a:extLst>
+          </p:cNvPr>
+          <p:cNvPicPr>
+            <a:picLocks noChangeAspect="1"/>
+          </p:cNvPicPr>
+          <p:nvPr/>
+        </p:nvPicPr>
+        <p:blipFill>
+          <a:blip r:embed="rId2"/>
+          <a:stretch>
+            <a:fillRect/>
+          </a:stretch>
+        </p:blipFill>
+        <p:spPr>
+          <a:xfrm>
+            <a:off x="1740131" y="1241125"/>
+            <a:ext cx="8010525" cy="5076825"/>
+          </a:xfrm>
+          <a:prstGeom prst="rect">
+            <a:avLst/>
+          </a:prstGeom>
+        </p:spPr>
+      </p:pic>
+    </p:spTree>
+    <p:extLst>
+      <p:ext uri="{BB962C8B-B14F-4D97-AF65-F5344CB8AC3E}">
+        <p14:creationId xmlns:p14="http://schemas.microsoft.com/office/powerpoint/2010/main" val="3416370494"/>
+      </p:ext>
+    </p:extLst>
+  </p:cSld>
+  <p:clrMapOvr>
+    <a:masterClrMapping/>
+  </p:clrMapOvr>
+</p:sld>
+</file>
+
+<file path=ppt/slides/slide14.xml><?xml version="1.0" encoding="utf-8"?>
+<p:sld xmlns:a="http://schemas.openxmlformats.org/drawingml/2006/main" xmlns:r="http://schemas.openxmlformats.org/officeDocument/2006/relationships" xmlns:p="http://schemas.openxmlformats.org/presentationml/2006/main">
+  <p:cSld>
+    <p:spTree>
+      <p:nvGrpSpPr>
+        <p:cNvPr id="1" name=""/>
+        <p:cNvGrpSpPr/>
+        <p:nvPr/>
+      </p:nvGrpSpPr>
+      <p:grpSpPr>
+        <a:xfrm>
+          <a:off x="0" y="0"/>
+          <a:ext cx="0" cy="0"/>
+          <a:chOff x="0" y="0"/>
+          <a:chExt cx="0" cy="0"/>
+        </a:xfrm>
+      </p:grpSpPr>
       <p:pic>
         <p:nvPicPr>
           <p:cNvPr id="9" name="Picture Placeholder 9" descr="cityscape">
@@ -17997,26 +18704,21 @@
           <a:bodyPr/>
           <a:lstStyle/>
           <a:p>
-            <a:pPr marL="0" indent="0">
-              <a:buNone/>
-            </a:pPr>
             <a:r>
               <a:rPr lang="en-US" sz="1800" dirty="0"/>
-              <a:t>What are the top 5 categories in YouTube during a 6 month window?  </a:t>
+              <a:t>Which categories are the most popular? </a:t>
             </a:r>
-            <a:br>
-              <a:rPr lang="en-US" sz="1800" dirty="0"/>
-            </a:br>
+          </a:p>
+          <a:p>
             <a:r>
               <a:rPr lang="en-US" sz="1800" dirty="0"/>
-              <a:t>What makes these the top 5?</a:t>
+              <a:t>What trends do we see in other categories?</a:t>
             </a:r>
-            <a:br>
-              <a:rPr lang="en-US" sz="1800" dirty="0"/>
-            </a:br>
+          </a:p>
+          <a:p>
             <a:r>
               <a:rPr lang="en-US" sz="1800" dirty="0"/>
-              <a:t>Is there any correlated or driving factors that enable this outcome?</a:t>
+              <a:t>Is there a correlation that defines what makes these categories more successful than the others?</a:t>
             </a:r>
             <a:br>
               <a:rPr lang="en-US" sz="1800" dirty="0"/>
@@ -18761,8 +19463,13 @@
           <a:p>
             <a:r>
               <a:rPr lang="en-IN" dirty="0"/>
-              <a:t>Aside from Music and Entertainment, what else is trending?</a:t>
+              <a:t>Music videos on </a:t>
             </a:r>
+            <a:r>
+              <a:rPr lang="en-IN" dirty="0" err="1"/>
+              <a:t>Youtube</a:t>
+            </a:r>
+            <a:endParaRPr lang="en-IN" dirty="0"/>
           </a:p>
         </p:txBody>
       </p:sp>
@@ -18832,10 +19539,10 @@
       </p:sp>
       <p:pic>
         <p:nvPicPr>
-          <p:cNvPr id="20" name="Picture 19">
-            <a:extLst>
-              <a:ext uri="{FF2B5EF4-FFF2-40B4-BE49-F238E27FC236}">
-                <a16:creationId xmlns:a16="http://schemas.microsoft.com/office/drawing/2014/main" id="{863F6C74-7C0A-4A1B-94AD-0373EAB79BEF}"/>
+          <p:cNvPr id="10" name="Picture 9">
+            <a:extLst>
+              <a:ext uri="{FF2B5EF4-FFF2-40B4-BE49-F238E27FC236}">
+                <a16:creationId xmlns:a16="http://schemas.microsoft.com/office/drawing/2014/main" id="{2DCCCD29-E9E2-8E44-B78F-EB25CD93196C}"/>
               </a:ext>
             </a:extLst>
           </p:cNvPr>
@@ -18852,8 +19559,8 @@
         </p:blipFill>
         <p:spPr>
           <a:xfrm>
-            <a:off x="6102116" y="4208133"/>
-            <a:ext cx="3667125" cy="2390775"/>
+            <a:off x="3077736" y="3112433"/>
+            <a:ext cx="3738601" cy="3099003"/>
           </a:xfrm>
           <a:prstGeom prst="rect">
             <a:avLst/>
@@ -18862,10 +19569,10 @@
       </p:pic>
       <p:pic>
         <p:nvPicPr>
-          <p:cNvPr id="22" name="Picture 21">
-            <a:extLst>
-              <a:ext uri="{FF2B5EF4-FFF2-40B4-BE49-F238E27FC236}">
-                <a16:creationId xmlns:a16="http://schemas.microsoft.com/office/drawing/2014/main" id="{5782AE2F-C787-48EB-A7C8-DC738670023A}"/>
+          <p:cNvPr id="12" name="Picture 11">
+            <a:extLst>
+              <a:ext uri="{FF2B5EF4-FFF2-40B4-BE49-F238E27FC236}">
+                <a16:creationId xmlns:a16="http://schemas.microsoft.com/office/drawing/2014/main" id="{99759AAE-8F68-8042-A50C-E9787A1AB8C7}"/>
               </a:ext>
             </a:extLst>
           </p:cNvPr>
@@ -18882,78 +19589,74 @@
         </p:blipFill>
         <p:spPr>
           <a:xfrm>
-            <a:off x="820868" y="4158647"/>
-            <a:ext cx="3667125" cy="2390775"/>
+            <a:off x="334784" y="1343603"/>
+            <a:ext cx="3109952" cy="3141686"/>
           </a:xfrm>
           <a:prstGeom prst="rect">
             <a:avLst/>
           </a:prstGeom>
         </p:spPr>
       </p:pic>
-      <p:pic>
-        <p:nvPicPr>
-          <p:cNvPr id="24" name="Picture 23">
-            <a:extLst>
-              <a:ext uri="{FF2B5EF4-FFF2-40B4-BE49-F238E27FC236}">
-                <a16:creationId xmlns:a16="http://schemas.microsoft.com/office/drawing/2014/main" id="{102CB64C-471B-4509-9F72-340066869D0D}"/>
-              </a:ext>
-            </a:extLst>
-          </p:cNvPr>
-          <p:cNvPicPr>
-            <a:picLocks noChangeAspect="1"/>
-          </p:cNvPicPr>
+      <p:sp>
+        <p:nvSpPr>
+          <p:cNvPr id="13" name="TextBox 12">
+            <a:extLst>
+              <a:ext uri="{FF2B5EF4-FFF2-40B4-BE49-F238E27FC236}">
+                <a16:creationId xmlns:a16="http://schemas.microsoft.com/office/drawing/2014/main" id="{B61523D6-9E7F-A243-B034-8A6F4B300FF0}"/>
+              </a:ext>
+            </a:extLst>
+          </p:cNvPr>
+          <p:cNvSpPr txBox="1"/>
           <p:nvPr/>
-        </p:nvPicPr>
-        <p:blipFill>
-          <a:blip r:embed="rId4"/>
-          <a:stretch>
-            <a:fillRect/>
-          </a:stretch>
-        </p:blipFill>
+        </p:nvSpPr>
         <p:spPr>
           <a:xfrm>
-            <a:off x="6091238" y="1398059"/>
-            <a:ext cx="3638550" cy="2390775"/>
+            <a:off x="6816337" y="1951463"/>
+            <a:ext cx="5082014" cy="1754326"/>
           </a:xfrm>
           <a:prstGeom prst="rect">
             <a:avLst/>
           </a:prstGeom>
-        </p:spPr>
-      </p:pic>
-      <p:pic>
-        <p:nvPicPr>
-          <p:cNvPr id="26" name="Picture 25">
-            <a:extLst>
-              <a:ext uri="{FF2B5EF4-FFF2-40B4-BE49-F238E27FC236}">
-                <a16:creationId xmlns:a16="http://schemas.microsoft.com/office/drawing/2014/main" id="{DF22324B-C529-4475-99C9-D0BB6D3742B7}"/>
-              </a:ext>
-            </a:extLst>
-          </p:cNvPr>
-          <p:cNvPicPr>
-            <a:picLocks noChangeAspect="1"/>
-          </p:cNvPicPr>
-          <p:nvPr/>
-        </p:nvPicPr>
-        <p:blipFill>
-          <a:blip r:embed="rId5"/>
-          <a:stretch>
-            <a:fillRect/>
-          </a:stretch>
-        </p:blipFill>
-        <p:spPr>
-          <a:xfrm>
-            <a:off x="839918" y="1398059"/>
-            <a:ext cx="3648075" cy="2390775"/>
-          </a:xfrm>
-          <a:prstGeom prst="rect">
-            <a:avLst/>
-          </a:prstGeom>
-        </p:spPr>
-      </p:pic>
+          <a:noFill/>
+        </p:spPr>
+        <p:txBody>
+          <a:bodyPr wrap="square" rtlCol="0">
+            <a:spAutoFit/>
+          </a:bodyPr>
+          <a:lstStyle/>
+          <a:p>
+            <a:pPr marL="285750" indent="-285750">
+              <a:buFont typeface="Arial" panose="020B0604020202020204" pitchFamily="34" charset="0"/>
+              <a:buChar char="•"/>
+            </a:pPr>
+            <a:r>
+              <a:rPr lang="en-US" dirty="0"/>
+              <a:t>Music videos only represent 15.8% (6472) of the total videos (40,949) trending.</a:t>
+            </a:r>
+          </a:p>
+          <a:p>
+            <a:pPr marL="285750" indent="-285750">
+              <a:buFont typeface="Arial" panose="020B0604020202020204" pitchFamily="34" charset="0"/>
+              <a:buChar char="•"/>
+            </a:pPr>
+            <a:endParaRPr lang="en-US" dirty="0"/>
+          </a:p>
+          <a:p>
+            <a:pPr marL="285750" indent="-285750">
+              <a:buFont typeface="Arial" panose="020B0604020202020204" pitchFamily="34" charset="0"/>
+              <a:buChar char="•"/>
+            </a:pPr>
+            <a:r>
+              <a:rPr lang="en-US" dirty="0"/>
+              <a:t>While only 15.8% music videos receive the most likes out of any other category at 46.6% of total overall. </a:t>
+            </a:r>
+          </a:p>
+        </p:txBody>
+      </p:sp>
     </p:spTree>
     <p:extLst>
       <p:ext uri="{BB962C8B-B14F-4D97-AF65-F5344CB8AC3E}">
-        <p14:creationId xmlns:p14="http://schemas.microsoft.com/office/powerpoint/2010/main" val="1169930804"/>
+        <p14:creationId xmlns:p14="http://schemas.microsoft.com/office/powerpoint/2010/main" val="1818894342"/>
       </p:ext>
     </p:extLst>
   </p:cSld>
@@ -18980,109 +19683,12 @@
           <a:chExt cx="0" cy="0"/>
         </a:xfrm>
       </p:grpSpPr>
-      <p:sp>
-        <p:nvSpPr>
-          <p:cNvPr id="2" name="Title 1">
-            <a:extLst>
-              <a:ext uri="{FF2B5EF4-FFF2-40B4-BE49-F238E27FC236}">
-                <a16:creationId xmlns:a16="http://schemas.microsoft.com/office/drawing/2014/main" id="{4332B532-EB3E-428B-9224-EFA237D16A73}"/>
-              </a:ext>
-            </a:extLst>
-          </p:cNvPr>
-          <p:cNvSpPr>
-            <a:spLocks noGrp="1"/>
-          </p:cNvSpPr>
-          <p:nvPr>
-            <p:ph type="title"/>
-          </p:nvPr>
-        </p:nvSpPr>
-        <p:spPr>
-          <a:xfrm>
-            <a:off x="515938" y="246621"/>
-            <a:ext cx="11150600" cy="559714"/>
-          </a:xfrm>
-        </p:spPr>
-        <p:txBody>
-          <a:bodyPr/>
-          <a:lstStyle/>
-          <a:p>
-            <a:r>
-              <a:rPr lang="en-IN" dirty="0"/>
-              <a:t>Any other insights</a:t>
-            </a:r>
-          </a:p>
-        </p:txBody>
-      </p:sp>
-      <p:sp>
-        <p:nvSpPr>
-          <p:cNvPr id="3" name="Slide Number Placeholder 2">
-            <a:extLst>
-              <a:ext uri="{FF2B5EF4-FFF2-40B4-BE49-F238E27FC236}">
-                <a16:creationId xmlns:a16="http://schemas.microsoft.com/office/drawing/2014/main" id="{EB5F9B50-CED9-4961-91E8-058BE256771F}"/>
-              </a:ext>
-            </a:extLst>
-          </p:cNvPr>
-          <p:cNvSpPr>
-            <a:spLocks noGrp="1"/>
-          </p:cNvSpPr>
-          <p:nvPr>
-            <p:ph type="sldNum" sz="quarter" idx="12"/>
-          </p:nvPr>
-        </p:nvSpPr>
-        <p:spPr/>
-        <p:txBody>
-          <a:bodyPr/>
-          <a:lstStyle/>
-          <a:p>
-            <a:fld id="{9EC71654-96A5-4280-94F3-931C61A9F92C}" type="slidenum">
-              <a:rPr lang="en-IN" smtClean="0"/>
-              <a:pPr/>
-              <a:t>9</a:t>
-            </a:fld>
-            <a:endParaRPr lang="en-IN" dirty="0"/>
-          </a:p>
-        </p:txBody>
-      </p:sp>
-      <p:sp>
-        <p:nvSpPr>
-          <p:cNvPr id="7" name="TextBox 6">
-            <a:extLst>
-              <a:ext uri="{FF2B5EF4-FFF2-40B4-BE49-F238E27FC236}">
-                <a16:creationId xmlns:a16="http://schemas.microsoft.com/office/drawing/2014/main" id="{677EE214-B74B-4C2E-B019-51E5F3E479FE}"/>
-              </a:ext>
-            </a:extLst>
-          </p:cNvPr>
-          <p:cNvSpPr txBox="1"/>
-          <p:nvPr/>
-        </p:nvSpPr>
-        <p:spPr>
-          <a:xfrm>
-            <a:off x="195072" y="6010656"/>
-            <a:ext cx="1694688" cy="847344"/>
-          </a:xfrm>
-          <a:prstGeom prst="rect">
-            <a:avLst/>
-          </a:prstGeom>
-          <a:solidFill>
-            <a:schemeClr val="bg1"/>
-          </a:solidFill>
-        </p:spPr>
-        <p:txBody>
-          <a:bodyPr wrap="square" rtlCol="0">
-            <a:spAutoFit/>
-          </a:bodyPr>
-          <a:lstStyle/>
-          <a:p>
-            <a:endParaRPr lang="en-US" dirty="0"/>
-          </a:p>
-        </p:txBody>
-      </p:sp>
       <p:pic>
         <p:nvPicPr>
-          <p:cNvPr id="4" name="Picture 3">
-            <a:extLst>
-              <a:ext uri="{FF2B5EF4-FFF2-40B4-BE49-F238E27FC236}">
-                <a16:creationId xmlns:a16="http://schemas.microsoft.com/office/drawing/2014/main" id="{8547994B-9A48-4163-8B0D-BC440CEDD662}"/>
+          <p:cNvPr id="8" name="Picture 7">
+            <a:extLst>
+              <a:ext uri="{FF2B5EF4-FFF2-40B4-BE49-F238E27FC236}">
+                <a16:creationId xmlns:a16="http://schemas.microsoft.com/office/drawing/2014/main" id="{A5F10E97-14D0-DD4F-81DC-0FC525EBA11C}"/>
               </a:ext>
             </a:extLst>
           </p:cNvPr>
@@ -19099,8 +19705,191 @@
         </p:blipFill>
         <p:spPr>
           <a:xfrm>
-            <a:off x="1740131" y="1241125"/>
-            <a:ext cx="8010525" cy="5076825"/>
+            <a:off x="3570552" y="2541299"/>
+            <a:ext cx="3606944" cy="3421106"/>
+          </a:xfrm>
+          <a:prstGeom prst="rect">
+            <a:avLst/>
+          </a:prstGeom>
+        </p:spPr>
+      </p:pic>
+      <p:sp>
+        <p:nvSpPr>
+          <p:cNvPr id="2" name="Title 1">
+            <a:extLst>
+              <a:ext uri="{FF2B5EF4-FFF2-40B4-BE49-F238E27FC236}">
+                <a16:creationId xmlns:a16="http://schemas.microsoft.com/office/drawing/2014/main" id="{4332B532-EB3E-428B-9224-EFA237D16A73}"/>
+              </a:ext>
+            </a:extLst>
+          </p:cNvPr>
+          <p:cNvSpPr>
+            <a:spLocks noGrp="1"/>
+          </p:cNvSpPr>
+          <p:nvPr>
+            <p:ph type="title"/>
+          </p:nvPr>
+        </p:nvSpPr>
+        <p:spPr/>
+        <p:txBody>
+          <a:bodyPr/>
+          <a:lstStyle/>
+          <a:p>
+            <a:r>
+              <a:rPr lang="en-IN" dirty="0"/>
+              <a:t>Entertainment videos on </a:t>
+            </a:r>
+            <a:r>
+              <a:rPr lang="en-IN" dirty="0" err="1"/>
+              <a:t>Youtube</a:t>
+            </a:r>
+            <a:endParaRPr lang="en-IN" dirty="0"/>
+          </a:p>
+        </p:txBody>
+      </p:sp>
+      <p:sp>
+        <p:nvSpPr>
+          <p:cNvPr id="3" name="Slide Number Placeholder 2">
+            <a:extLst>
+              <a:ext uri="{FF2B5EF4-FFF2-40B4-BE49-F238E27FC236}">
+                <a16:creationId xmlns:a16="http://schemas.microsoft.com/office/drawing/2014/main" id="{EB5F9B50-CED9-4961-91E8-058BE256771F}"/>
+              </a:ext>
+            </a:extLst>
+          </p:cNvPr>
+          <p:cNvSpPr>
+            <a:spLocks noGrp="1"/>
+          </p:cNvSpPr>
+          <p:nvPr>
+            <p:ph type="sldNum" sz="quarter" idx="12"/>
+          </p:nvPr>
+        </p:nvSpPr>
+        <p:spPr/>
+        <p:txBody>
+          <a:bodyPr/>
+          <a:lstStyle/>
+          <a:p>
+            <a:fld id="{9EC71654-96A5-4280-94F3-931C61A9F92C}" type="slidenum">
+              <a:rPr lang="en-IN" smtClean="0"/>
+              <a:pPr/>
+              <a:t>9</a:t>
+            </a:fld>
+            <a:endParaRPr lang="en-IN" dirty="0"/>
+          </a:p>
+        </p:txBody>
+      </p:sp>
+      <p:sp>
+        <p:nvSpPr>
+          <p:cNvPr id="7" name="TextBox 6">
+            <a:extLst>
+              <a:ext uri="{FF2B5EF4-FFF2-40B4-BE49-F238E27FC236}">
+                <a16:creationId xmlns:a16="http://schemas.microsoft.com/office/drawing/2014/main" id="{677EE214-B74B-4C2E-B019-51E5F3E479FE}"/>
+              </a:ext>
+            </a:extLst>
+          </p:cNvPr>
+          <p:cNvSpPr txBox="1"/>
+          <p:nvPr/>
+        </p:nvSpPr>
+        <p:spPr>
+          <a:xfrm>
+            <a:off x="195072" y="6010656"/>
+            <a:ext cx="1694688" cy="847344"/>
+          </a:xfrm>
+          <a:prstGeom prst="rect">
+            <a:avLst/>
+          </a:prstGeom>
+          <a:solidFill>
+            <a:schemeClr val="bg1"/>
+          </a:solidFill>
+        </p:spPr>
+        <p:txBody>
+          <a:bodyPr wrap="square" rtlCol="0">
+            <a:spAutoFit/>
+          </a:bodyPr>
+          <a:lstStyle/>
+          <a:p>
+            <a:endParaRPr lang="en-US" dirty="0"/>
+          </a:p>
+        </p:txBody>
+      </p:sp>
+      <p:sp>
+        <p:nvSpPr>
+          <p:cNvPr id="13" name="TextBox 12">
+            <a:extLst>
+              <a:ext uri="{FF2B5EF4-FFF2-40B4-BE49-F238E27FC236}">
+                <a16:creationId xmlns:a16="http://schemas.microsoft.com/office/drawing/2014/main" id="{B61523D6-9E7F-A243-B034-8A6F4B300FF0}"/>
+              </a:ext>
+            </a:extLst>
+          </p:cNvPr>
+          <p:cNvSpPr txBox="1"/>
+          <p:nvPr/>
+        </p:nvSpPr>
+        <p:spPr>
+          <a:xfrm>
+            <a:off x="6816337" y="1951463"/>
+            <a:ext cx="5082014" cy="1754326"/>
+          </a:xfrm>
+          <a:prstGeom prst="rect">
+            <a:avLst/>
+          </a:prstGeom>
+          <a:noFill/>
+        </p:spPr>
+        <p:txBody>
+          <a:bodyPr wrap="square" rtlCol="0">
+            <a:spAutoFit/>
+          </a:bodyPr>
+          <a:lstStyle/>
+          <a:p>
+            <a:pPr marL="285750" indent="-285750">
+              <a:buFont typeface="Arial" panose="020B0604020202020204" pitchFamily="34" charset="0"/>
+              <a:buChar char="•"/>
+            </a:pPr>
+            <a:r>
+              <a:rPr lang="en-US" dirty="0"/>
+              <a:t>Entertainment videos only represent 24.3% (9964) of the total videos (40,949) trending.</a:t>
+            </a:r>
+          </a:p>
+          <a:p>
+            <a:pPr marL="285750" indent="-285750">
+              <a:buFont typeface="Arial" panose="020B0604020202020204" pitchFamily="34" charset="0"/>
+              <a:buChar char="•"/>
+            </a:pPr>
+            <a:endParaRPr lang="en-US" dirty="0"/>
+          </a:p>
+          <a:p>
+            <a:pPr marL="285750" indent="-285750">
+              <a:buFont typeface="Arial" panose="020B0604020202020204" pitchFamily="34" charset="0"/>
+              <a:buChar char="•"/>
+            </a:pPr>
+            <a:r>
+              <a:rPr lang="en-US" dirty="0"/>
+              <a:t>The entertainment category is 8.5% larger than the music category but receives significantly less likes, a difference of 29.2% (888,014,982) likes.</a:t>
+            </a:r>
+          </a:p>
+        </p:txBody>
+      </p:sp>
+      <p:pic>
+        <p:nvPicPr>
+          <p:cNvPr id="5" name="Picture 4">
+            <a:extLst>
+              <a:ext uri="{FF2B5EF4-FFF2-40B4-BE49-F238E27FC236}">
+                <a16:creationId xmlns:a16="http://schemas.microsoft.com/office/drawing/2014/main" id="{6FBAE6AB-6EC7-3D44-A218-2778FC3AD8E9}"/>
+              </a:ext>
+            </a:extLst>
+          </p:cNvPr>
+          <p:cNvPicPr>
+            <a:picLocks noChangeAspect="1"/>
+          </p:cNvPicPr>
+          <p:nvPr/>
+        </p:nvPicPr>
+        <p:blipFill>
+          <a:blip r:embed="rId3"/>
+          <a:stretch>
+            <a:fillRect/>
+          </a:stretch>
+        </p:blipFill>
+        <p:spPr>
+          <a:xfrm>
+            <a:off x="113991" y="1166957"/>
+            <a:ext cx="3456561" cy="2836331"/>
           </a:xfrm>
           <a:prstGeom prst="rect">
             <a:avLst/>
@@ -19110,7 +19899,7 @@
     </p:spTree>
     <p:extLst>
       <p:ext uri="{BB962C8B-B14F-4D97-AF65-F5344CB8AC3E}">
-        <p14:creationId xmlns:p14="http://schemas.microsoft.com/office/powerpoint/2010/main" val="3416370494"/>
+        <p14:creationId xmlns:p14="http://schemas.microsoft.com/office/powerpoint/2010/main" val="4211556157"/>
       </p:ext>
     </p:extLst>
   </p:cSld>
@@ -19617,6 +20406,15 @@
 </file>
 
 <file path=customXml/item1.xml><?xml version="1.0" encoding="utf-8"?>
+<?mso-contentType ?>
+<FormTemplates xmlns="http://schemas.microsoft.com/sharepoint/v3/contenttype/forms">
+  <Display>DocumentLibraryForm</Display>
+  <Edit>DocumentLibraryForm</Edit>
+  <New>DocumentLibraryForm</New>
+</FormTemplates>
+</file>
+
+<file path=customXml/item2.xml><?xml version="1.0" encoding="utf-8"?>
 <ct:contentTypeSchema xmlns:ct="http://schemas.microsoft.com/office/2006/metadata/contentType" xmlns:ma="http://schemas.microsoft.com/office/2006/metadata/properties/metaAttributes" ct:_="" ma:_="" ma:contentTypeName="Document" ma:contentTypeID="0x01010079F111ED35F8CC479449609E8A0923A6" ma:contentTypeVersion="10" ma:contentTypeDescription="Create a new document." ma:contentTypeScope="" ma:versionID="e39e7e9e36de66d473ce04bb4ab2dbb8">
   <xsd:schema xmlns:xsd="http://www.w3.org/2001/XMLSchema" xmlns:xs="http://www.w3.org/2001/XMLSchema" xmlns:p="http://schemas.microsoft.com/office/2006/metadata/properties" xmlns:ns2="71af3243-3dd4-4a8d-8c0d-dd76da1f02a5" xmlns:ns3="16c05727-aa75-4e4a-9b5f-8a80a1165891" targetNamespace="http://schemas.microsoft.com/office/2006/metadata/properties" ma:root="true" ma:fieldsID="19dc5994665da46609c24125788630d8" ns2:_="" ns3:_="">
     <xsd:import namespace="71af3243-3dd4-4a8d-8c0d-dd76da1f02a5"/>
@@ -19821,15 +20619,6 @@
 </ct:contentTypeSchema>
 </file>
 
-<file path=customXml/item2.xml><?xml version="1.0" encoding="utf-8"?>
-<?mso-contentType ?>
-<FormTemplates xmlns="http://schemas.microsoft.com/sharepoint/v3/contenttype/forms">
-  <Display>DocumentLibraryForm</Display>
-  <Edit>DocumentLibraryForm</Edit>
-  <New>DocumentLibraryForm</New>
-</FormTemplates>
-</file>
-
 <file path=customXml/item3.xml><?xml version="1.0" encoding="utf-8"?>
 <p:properties xmlns:p="http://schemas.microsoft.com/office/2006/metadata/properties" xmlns:xsi="http://www.w3.org/2001/XMLSchema-instance" xmlns:pc="http://schemas.microsoft.com/office/infopath/2007/PartnerControls">
   <documentManagement>
@@ -19839,6 +20628,14 @@
 </file>
 
 <file path=customXml/itemProps1.xml><?xml version="1.0" encoding="utf-8"?>
+<ds:datastoreItem xmlns:ds="http://schemas.openxmlformats.org/officeDocument/2006/customXml" ds:itemID="{A4C31332-3081-4BD9-AD6F-078B4521F357}">
+  <ds:schemaRefs>
+    <ds:schemaRef ds:uri="http://schemas.microsoft.com/sharepoint/v3/contenttype/forms"/>
+  </ds:schemaRefs>
+</ds:datastoreItem>
+</file>
+
+<file path=customXml/itemProps2.xml><?xml version="1.0" encoding="utf-8"?>
 <ds:datastoreItem xmlns:ds="http://schemas.openxmlformats.org/officeDocument/2006/customXml" ds:itemID="{1FF4E1AF-DB5E-4764-961C-6F82B33E9E6E}">
   <ds:schemaRefs>
     <ds:schemaRef ds:uri="http://schemas.microsoft.com/office/2006/metadata/contentType"/>
@@ -19853,14 +20650,6 @@
     <ds:schemaRef ds:uri="http://purl.org/dc/elements/1.1/"/>
     <ds:schemaRef ds:uri="http://purl.org/dc/terms/"/>
     <ds:schemaRef ds:uri="http://schemas.microsoft.com/internal/obd"/>
-  </ds:schemaRefs>
-</ds:datastoreItem>
-</file>
-
-<file path=customXml/itemProps2.xml><?xml version="1.0" encoding="utf-8"?>
-<ds:datastoreItem xmlns:ds="http://schemas.openxmlformats.org/officeDocument/2006/customXml" ds:itemID="{A4C31332-3081-4BD9-AD6F-078B4521F357}">
-  <ds:schemaRefs>
-    <ds:schemaRef ds:uri="http://schemas.microsoft.com/sharepoint/v3/contenttype/forms"/>
   </ds:schemaRefs>
 </ds:datastoreItem>
 </file>

--- a/Youtube Trending video analysis.pptx
+++ b/Youtube Trending video analysis.pptx
@@ -15,11 +15,11 @@
     <p:sldId id="278" r:id="rId9"/>
     <p:sldId id="277" r:id="rId10"/>
     <p:sldId id="279" r:id="rId11"/>
-    <p:sldId id="281" r:id="rId12"/>
-    <p:sldId id="282" r:id="rId13"/>
-    <p:sldId id="273" r:id="rId14"/>
-    <p:sldId id="283" r:id="rId15"/>
-    <p:sldId id="284" r:id="rId16"/>
+    <p:sldId id="284" r:id="rId12"/>
+    <p:sldId id="283" r:id="rId13"/>
+    <p:sldId id="281" r:id="rId14"/>
+    <p:sldId id="282" r:id="rId15"/>
+    <p:sldId id="273" r:id="rId16"/>
     <p:sldId id="280" r:id="rId17"/>
     <p:sldId id="276" r:id="rId18"/>
   </p:sldIdLst>
@@ -221,7 +221,7 @@
           <a:p>
             <a:fld id="{0AEFB4FA-E877-413E-B608-88789D806C57}" type="datetimeFigureOut">
               <a:rPr lang="en-IN" smtClean="0"/>
-              <a:t>26/09/18</a:t>
+              <a:t>26-09-2018</a:t>
             </a:fld>
             <a:endParaRPr lang="en-IN" dirty="0"/>
           </a:p>
@@ -16666,7 +16666,7 @@
           <a:p>
             <a:fld id="{D951F27F-98F9-A147-8986-34441C7B752D}" type="datetime1">
               <a:rPr lang="en-IN" smtClean="0"/>
-              <a:t>26/09/18</a:t>
+              <a:t>26-09-2018</a:t>
             </a:fld>
             <a:endParaRPr lang="en-IN" dirty="0"/>
           </a:p>
@@ -17299,8 +17299,13 @@
           <a:p>
             <a:r>
               <a:rPr lang="en-IN" dirty="0"/>
-              <a:t>Aside from Music and Entertainment, what else is trending?</a:t>
+              <a:t>Music videos on </a:t>
             </a:r>
+            <a:r>
+              <a:rPr lang="en-IN" dirty="0" err="1"/>
+              <a:t>Youtube</a:t>
+            </a:r>
+            <a:endParaRPr lang="en-IN" dirty="0"/>
           </a:p>
         </p:txBody>
       </p:sp>
@@ -17370,10 +17375,10 @@
       </p:sp>
       <p:pic>
         <p:nvPicPr>
-          <p:cNvPr id="20" name="Picture 19">
-            <a:extLst>
-              <a:ext uri="{FF2B5EF4-FFF2-40B4-BE49-F238E27FC236}">
-                <a16:creationId xmlns:a16="http://schemas.microsoft.com/office/drawing/2014/main" id="{863F6C74-7C0A-4A1B-94AD-0373EAB79BEF}"/>
+          <p:cNvPr id="10" name="Picture 9">
+            <a:extLst>
+              <a:ext uri="{FF2B5EF4-FFF2-40B4-BE49-F238E27FC236}">
+                <a16:creationId xmlns:a16="http://schemas.microsoft.com/office/drawing/2014/main" id="{2DCCCD29-E9E2-8E44-B78F-EB25CD93196C}"/>
               </a:ext>
             </a:extLst>
           </p:cNvPr>
@@ -17390,8 +17395,8 @@
         </p:blipFill>
         <p:spPr>
           <a:xfrm>
-            <a:off x="6102116" y="4208133"/>
-            <a:ext cx="3667125" cy="2390775"/>
+            <a:off x="3077736" y="3112433"/>
+            <a:ext cx="3738601" cy="3099003"/>
           </a:xfrm>
           <a:prstGeom prst="rect">
             <a:avLst/>
@@ -17400,10 +17405,10 @@
       </p:pic>
       <p:pic>
         <p:nvPicPr>
-          <p:cNvPr id="22" name="Picture 21">
-            <a:extLst>
-              <a:ext uri="{FF2B5EF4-FFF2-40B4-BE49-F238E27FC236}">
-                <a16:creationId xmlns:a16="http://schemas.microsoft.com/office/drawing/2014/main" id="{5782AE2F-C787-48EB-A7C8-DC738670023A}"/>
+          <p:cNvPr id="12" name="Picture 11">
+            <a:extLst>
+              <a:ext uri="{FF2B5EF4-FFF2-40B4-BE49-F238E27FC236}">
+                <a16:creationId xmlns:a16="http://schemas.microsoft.com/office/drawing/2014/main" id="{99759AAE-8F68-8042-A50C-E9787A1AB8C7}"/>
               </a:ext>
             </a:extLst>
           </p:cNvPr>
@@ -17420,78 +17425,74 @@
         </p:blipFill>
         <p:spPr>
           <a:xfrm>
-            <a:off x="820868" y="4158647"/>
-            <a:ext cx="3667125" cy="2390775"/>
+            <a:off x="334784" y="1343603"/>
+            <a:ext cx="3109952" cy="3141686"/>
           </a:xfrm>
           <a:prstGeom prst="rect">
             <a:avLst/>
           </a:prstGeom>
         </p:spPr>
       </p:pic>
-      <p:pic>
-        <p:nvPicPr>
-          <p:cNvPr id="24" name="Picture 23">
-            <a:extLst>
-              <a:ext uri="{FF2B5EF4-FFF2-40B4-BE49-F238E27FC236}">
-                <a16:creationId xmlns:a16="http://schemas.microsoft.com/office/drawing/2014/main" id="{102CB64C-471B-4509-9F72-340066869D0D}"/>
-              </a:ext>
-            </a:extLst>
-          </p:cNvPr>
-          <p:cNvPicPr>
-            <a:picLocks noChangeAspect="1"/>
-          </p:cNvPicPr>
+      <p:sp>
+        <p:nvSpPr>
+          <p:cNvPr id="13" name="TextBox 12">
+            <a:extLst>
+              <a:ext uri="{FF2B5EF4-FFF2-40B4-BE49-F238E27FC236}">
+                <a16:creationId xmlns:a16="http://schemas.microsoft.com/office/drawing/2014/main" id="{B61523D6-9E7F-A243-B034-8A6F4B300FF0}"/>
+              </a:ext>
+            </a:extLst>
+          </p:cNvPr>
+          <p:cNvSpPr txBox="1"/>
           <p:nvPr/>
-        </p:nvPicPr>
-        <p:blipFill>
-          <a:blip r:embed="rId4"/>
-          <a:stretch>
-            <a:fillRect/>
-          </a:stretch>
-        </p:blipFill>
+        </p:nvSpPr>
         <p:spPr>
           <a:xfrm>
-            <a:off x="6091238" y="1398059"/>
-            <a:ext cx="3638550" cy="2390775"/>
+            <a:off x="6816337" y="1951463"/>
+            <a:ext cx="5082014" cy="1754326"/>
           </a:xfrm>
           <a:prstGeom prst="rect">
             <a:avLst/>
           </a:prstGeom>
-        </p:spPr>
-      </p:pic>
-      <p:pic>
-        <p:nvPicPr>
-          <p:cNvPr id="26" name="Picture 25">
-            <a:extLst>
-              <a:ext uri="{FF2B5EF4-FFF2-40B4-BE49-F238E27FC236}">
-                <a16:creationId xmlns:a16="http://schemas.microsoft.com/office/drawing/2014/main" id="{DF22324B-C529-4475-99C9-D0BB6D3742B7}"/>
-              </a:ext>
-            </a:extLst>
-          </p:cNvPr>
-          <p:cNvPicPr>
-            <a:picLocks noChangeAspect="1"/>
-          </p:cNvPicPr>
-          <p:nvPr/>
-        </p:nvPicPr>
-        <p:blipFill>
-          <a:blip r:embed="rId5"/>
-          <a:stretch>
-            <a:fillRect/>
-          </a:stretch>
-        </p:blipFill>
-        <p:spPr>
-          <a:xfrm>
-            <a:off x="839918" y="1398059"/>
-            <a:ext cx="3648075" cy="2390775"/>
-          </a:xfrm>
-          <a:prstGeom prst="rect">
-            <a:avLst/>
-          </a:prstGeom>
-        </p:spPr>
-      </p:pic>
+          <a:noFill/>
+        </p:spPr>
+        <p:txBody>
+          <a:bodyPr wrap="square" rtlCol="0">
+            <a:spAutoFit/>
+          </a:bodyPr>
+          <a:lstStyle/>
+          <a:p>
+            <a:pPr marL="285750" indent="-285750">
+              <a:buFont typeface="Arial" panose="020B0604020202020204" pitchFamily="34" charset="0"/>
+              <a:buChar char="•"/>
+            </a:pPr>
+            <a:r>
+              <a:rPr lang="en-US" dirty="0"/>
+              <a:t>Music videos only represent 15.8% (6472) of the total videos (40,949) trending.</a:t>
+            </a:r>
+          </a:p>
+          <a:p>
+            <a:pPr marL="285750" indent="-285750">
+              <a:buFont typeface="Arial" panose="020B0604020202020204" pitchFamily="34" charset="0"/>
+              <a:buChar char="•"/>
+            </a:pPr>
+            <a:endParaRPr lang="en-US" dirty="0"/>
+          </a:p>
+          <a:p>
+            <a:pPr marL="285750" indent="-285750">
+              <a:buFont typeface="Arial" panose="020B0604020202020204" pitchFamily="34" charset="0"/>
+              <a:buChar char="•"/>
+            </a:pPr>
+            <a:r>
+              <a:rPr lang="en-US" dirty="0"/>
+              <a:t>While only 15.8% music videos receive the most likes out of any other category at 46.6% of total overall. </a:t>
+            </a:r>
+          </a:p>
+        </p:txBody>
+      </p:sp>
     </p:spTree>
     <p:extLst>
       <p:ext uri="{BB962C8B-B14F-4D97-AF65-F5344CB8AC3E}">
-        <p14:creationId xmlns:p14="http://schemas.microsoft.com/office/powerpoint/2010/main" val="1169930804"/>
+        <p14:creationId xmlns:p14="http://schemas.microsoft.com/office/powerpoint/2010/main" val="1818894342"/>
       </p:ext>
     </p:extLst>
   </p:cSld>
@@ -17518,104 +17519,12 @@
           <a:chExt cx="0" cy="0"/>
         </a:xfrm>
       </p:grpSpPr>
-      <p:sp>
-        <p:nvSpPr>
-          <p:cNvPr id="2" name="Title 1">
-            <a:extLst>
-              <a:ext uri="{FF2B5EF4-FFF2-40B4-BE49-F238E27FC236}">
-                <a16:creationId xmlns:a16="http://schemas.microsoft.com/office/drawing/2014/main" id="{4332B532-EB3E-428B-9224-EFA237D16A73}"/>
-              </a:ext>
-            </a:extLst>
-          </p:cNvPr>
-          <p:cNvSpPr>
-            <a:spLocks noGrp="1"/>
-          </p:cNvSpPr>
-          <p:nvPr>
-            <p:ph type="title"/>
-          </p:nvPr>
-        </p:nvSpPr>
-        <p:spPr/>
-        <p:txBody>
-          <a:bodyPr/>
-          <a:lstStyle/>
-          <a:p>
-            <a:r>
-              <a:rPr lang="en-IN" dirty="0"/>
-              <a:t>VIDEO COUNTS IN THE US</a:t>
-            </a:r>
-          </a:p>
-        </p:txBody>
-      </p:sp>
-      <p:sp>
-        <p:nvSpPr>
-          <p:cNvPr id="3" name="Slide Number Placeholder 2">
-            <a:extLst>
-              <a:ext uri="{FF2B5EF4-FFF2-40B4-BE49-F238E27FC236}">
-                <a16:creationId xmlns:a16="http://schemas.microsoft.com/office/drawing/2014/main" id="{EB5F9B50-CED9-4961-91E8-058BE256771F}"/>
-              </a:ext>
-            </a:extLst>
-          </p:cNvPr>
-          <p:cNvSpPr>
-            <a:spLocks noGrp="1"/>
-          </p:cNvSpPr>
-          <p:nvPr>
-            <p:ph type="sldNum" sz="quarter" idx="12"/>
-          </p:nvPr>
-        </p:nvSpPr>
-        <p:spPr/>
-        <p:txBody>
-          <a:bodyPr/>
-          <a:lstStyle/>
-          <a:p>
-            <a:fld id="{9EC71654-96A5-4280-94F3-931C61A9F92C}" type="slidenum">
-              <a:rPr lang="en-IN" smtClean="0"/>
-              <a:pPr/>
-              <a:t>11</a:t>
-            </a:fld>
-            <a:endParaRPr lang="en-IN" dirty="0"/>
-          </a:p>
-        </p:txBody>
-      </p:sp>
-      <p:sp>
-        <p:nvSpPr>
-          <p:cNvPr id="7" name="TextBox 6">
-            <a:extLst>
-              <a:ext uri="{FF2B5EF4-FFF2-40B4-BE49-F238E27FC236}">
-                <a16:creationId xmlns:a16="http://schemas.microsoft.com/office/drawing/2014/main" id="{677EE214-B74B-4C2E-B019-51E5F3E479FE}"/>
-              </a:ext>
-            </a:extLst>
-          </p:cNvPr>
-          <p:cNvSpPr txBox="1"/>
-          <p:nvPr/>
-        </p:nvSpPr>
-        <p:spPr>
-          <a:xfrm>
-            <a:off x="195072" y="6010656"/>
-            <a:ext cx="1694688" cy="847344"/>
-          </a:xfrm>
-          <a:prstGeom prst="rect">
-            <a:avLst/>
-          </a:prstGeom>
-          <a:solidFill>
-            <a:schemeClr val="bg1"/>
-          </a:solidFill>
-        </p:spPr>
-        <p:txBody>
-          <a:bodyPr wrap="square" rtlCol="0">
-            <a:spAutoFit/>
-          </a:bodyPr>
-          <a:lstStyle/>
-          <a:p>
-            <a:endParaRPr lang="en-US" dirty="0"/>
-          </a:p>
-        </p:txBody>
-      </p:sp>
       <p:pic>
         <p:nvPicPr>
-          <p:cNvPr id="6" name="Picture 5">
-            <a:extLst>
-              <a:ext uri="{FF2B5EF4-FFF2-40B4-BE49-F238E27FC236}">
-                <a16:creationId xmlns:a16="http://schemas.microsoft.com/office/drawing/2014/main" id="{E29BC130-F9B7-4E49-B06C-596E7736B360}"/>
+          <p:cNvPr id="8" name="Picture 7">
+            <a:extLst>
+              <a:ext uri="{FF2B5EF4-FFF2-40B4-BE49-F238E27FC236}">
+                <a16:creationId xmlns:a16="http://schemas.microsoft.com/office/drawing/2014/main" id="{A5F10E97-14D0-DD4F-81DC-0FC525EBA11C}"/>
               </a:ext>
             </a:extLst>
           </p:cNvPr>
@@ -17632,8 +17541,191 @@
         </p:blipFill>
         <p:spPr>
           <a:xfrm>
-            <a:off x="1889760" y="1736122"/>
-            <a:ext cx="8354378" cy="4813300"/>
+            <a:off x="3570552" y="2541299"/>
+            <a:ext cx="3606944" cy="3421106"/>
+          </a:xfrm>
+          <a:prstGeom prst="rect">
+            <a:avLst/>
+          </a:prstGeom>
+        </p:spPr>
+      </p:pic>
+      <p:sp>
+        <p:nvSpPr>
+          <p:cNvPr id="2" name="Title 1">
+            <a:extLst>
+              <a:ext uri="{FF2B5EF4-FFF2-40B4-BE49-F238E27FC236}">
+                <a16:creationId xmlns:a16="http://schemas.microsoft.com/office/drawing/2014/main" id="{4332B532-EB3E-428B-9224-EFA237D16A73}"/>
+              </a:ext>
+            </a:extLst>
+          </p:cNvPr>
+          <p:cNvSpPr>
+            <a:spLocks noGrp="1"/>
+          </p:cNvSpPr>
+          <p:nvPr>
+            <p:ph type="title"/>
+          </p:nvPr>
+        </p:nvSpPr>
+        <p:spPr/>
+        <p:txBody>
+          <a:bodyPr/>
+          <a:lstStyle/>
+          <a:p>
+            <a:r>
+              <a:rPr lang="en-IN" dirty="0"/>
+              <a:t>Entertainment videos on </a:t>
+            </a:r>
+            <a:r>
+              <a:rPr lang="en-IN" dirty="0" err="1"/>
+              <a:t>Youtube</a:t>
+            </a:r>
+            <a:endParaRPr lang="en-IN" dirty="0"/>
+          </a:p>
+        </p:txBody>
+      </p:sp>
+      <p:sp>
+        <p:nvSpPr>
+          <p:cNvPr id="3" name="Slide Number Placeholder 2">
+            <a:extLst>
+              <a:ext uri="{FF2B5EF4-FFF2-40B4-BE49-F238E27FC236}">
+                <a16:creationId xmlns:a16="http://schemas.microsoft.com/office/drawing/2014/main" id="{EB5F9B50-CED9-4961-91E8-058BE256771F}"/>
+              </a:ext>
+            </a:extLst>
+          </p:cNvPr>
+          <p:cNvSpPr>
+            <a:spLocks noGrp="1"/>
+          </p:cNvSpPr>
+          <p:nvPr>
+            <p:ph type="sldNum" sz="quarter" idx="12"/>
+          </p:nvPr>
+        </p:nvSpPr>
+        <p:spPr/>
+        <p:txBody>
+          <a:bodyPr/>
+          <a:lstStyle/>
+          <a:p>
+            <a:fld id="{9EC71654-96A5-4280-94F3-931C61A9F92C}" type="slidenum">
+              <a:rPr lang="en-IN" smtClean="0"/>
+              <a:pPr/>
+              <a:t>11</a:t>
+            </a:fld>
+            <a:endParaRPr lang="en-IN" dirty="0"/>
+          </a:p>
+        </p:txBody>
+      </p:sp>
+      <p:sp>
+        <p:nvSpPr>
+          <p:cNvPr id="7" name="TextBox 6">
+            <a:extLst>
+              <a:ext uri="{FF2B5EF4-FFF2-40B4-BE49-F238E27FC236}">
+                <a16:creationId xmlns:a16="http://schemas.microsoft.com/office/drawing/2014/main" id="{677EE214-B74B-4C2E-B019-51E5F3E479FE}"/>
+              </a:ext>
+            </a:extLst>
+          </p:cNvPr>
+          <p:cNvSpPr txBox="1"/>
+          <p:nvPr/>
+        </p:nvSpPr>
+        <p:spPr>
+          <a:xfrm>
+            <a:off x="195072" y="6010656"/>
+            <a:ext cx="1694688" cy="847344"/>
+          </a:xfrm>
+          <a:prstGeom prst="rect">
+            <a:avLst/>
+          </a:prstGeom>
+          <a:solidFill>
+            <a:schemeClr val="bg1"/>
+          </a:solidFill>
+        </p:spPr>
+        <p:txBody>
+          <a:bodyPr wrap="square" rtlCol="0">
+            <a:spAutoFit/>
+          </a:bodyPr>
+          <a:lstStyle/>
+          <a:p>
+            <a:endParaRPr lang="en-US" dirty="0"/>
+          </a:p>
+        </p:txBody>
+      </p:sp>
+      <p:sp>
+        <p:nvSpPr>
+          <p:cNvPr id="13" name="TextBox 12">
+            <a:extLst>
+              <a:ext uri="{FF2B5EF4-FFF2-40B4-BE49-F238E27FC236}">
+                <a16:creationId xmlns:a16="http://schemas.microsoft.com/office/drawing/2014/main" id="{B61523D6-9E7F-A243-B034-8A6F4B300FF0}"/>
+              </a:ext>
+            </a:extLst>
+          </p:cNvPr>
+          <p:cNvSpPr txBox="1"/>
+          <p:nvPr/>
+        </p:nvSpPr>
+        <p:spPr>
+          <a:xfrm>
+            <a:off x="6816337" y="1951463"/>
+            <a:ext cx="5082014" cy="1754326"/>
+          </a:xfrm>
+          <a:prstGeom prst="rect">
+            <a:avLst/>
+          </a:prstGeom>
+          <a:noFill/>
+        </p:spPr>
+        <p:txBody>
+          <a:bodyPr wrap="square" rtlCol="0">
+            <a:spAutoFit/>
+          </a:bodyPr>
+          <a:lstStyle/>
+          <a:p>
+            <a:pPr marL="285750" indent="-285750">
+              <a:buFont typeface="Arial" panose="020B0604020202020204" pitchFamily="34" charset="0"/>
+              <a:buChar char="•"/>
+            </a:pPr>
+            <a:r>
+              <a:rPr lang="en-US" dirty="0"/>
+              <a:t>Entertainment videos only represent 24.3% (9964) of the total videos (40,949) trending.</a:t>
+            </a:r>
+          </a:p>
+          <a:p>
+            <a:pPr marL="285750" indent="-285750">
+              <a:buFont typeface="Arial" panose="020B0604020202020204" pitchFamily="34" charset="0"/>
+              <a:buChar char="•"/>
+            </a:pPr>
+            <a:endParaRPr lang="en-US" dirty="0"/>
+          </a:p>
+          <a:p>
+            <a:pPr marL="285750" indent="-285750">
+              <a:buFont typeface="Arial" panose="020B0604020202020204" pitchFamily="34" charset="0"/>
+              <a:buChar char="•"/>
+            </a:pPr>
+            <a:r>
+              <a:rPr lang="en-US" dirty="0"/>
+              <a:t>The entertainment category is 8.5% larger than the music category but receives significantly less likes, a difference of 29.2% (888,014,982) likes.</a:t>
+            </a:r>
+          </a:p>
+        </p:txBody>
+      </p:sp>
+      <p:pic>
+        <p:nvPicPr>
+          <p:cNvPr id="5" name="Picture 4">
+            <a:extLst>
+              <a:ext uri="{FF2B5EF4-FFF2-40B4-BE49-F238E27FC236}">
+                <a16:creationId xmlns:a16="http://schemas.microsoft.com/office/drawing/2014/main" id="{6FBAE6AB-6EC7-3D44-A218-2778FC3AD8E9}"/>
+              </a:ext>
+            </a:extLst>
+          </p:cNvPr>
+          <p:cNvPicPr>
+            <a:picLocks noChangeAspect="1"/>
+          </p:cNvPicPr>
+          <p:nvPr/>
+        </p:nvPicPr>
+        <p:blipFill>
+          <a:blip r:embed="rId3"/>
+          <a:stretch>
+            <a:fillRect/>
+          </a:stretch>
+        </p:blipFill>
+        <p:spPr>
+          <a:xfrm>
+            <a:off x="113991" y="1166957"/>
+            <a:ext cx="3456561" cy="2836331"/>
           </a:xfrm>
           <a:prstGeom prst="rect">
             <a:avLst/>
@@ -17643,7 +17735,7 @@
     </p:spTree>
     <p:extLst>
       <p:ext uri="{BB962C8B-B14F-4D97-AF65-F5344CB8AC3E}">
-        <p14:creationId xmlns:p14="http://schemas.microsoft.com/office/powerpoint/2010/main" val="2277905129"/>
+        <p14:creationId xmlns:p14="http://schemas.microsoft.com/office/powerpoint/2010/main" val="4211556157"/>
       </p:ext>
     </p:extLst>
   </p:cSld>
@@ -17693,7 +17785,7 @@
           <a:p>
             <a:r>
               <a:rPr lang="en-IN" dirty="0"/>
-              <a:t>LIKES/VIEWS</a:t>
+              <a:t>Aside from Music and Entertainment, what else is trending?</a:t>
             </a:r>
           </a:p>
         </p:txBody>
@@ -17764,10 +17856,10 @@
       </p:sp>
       <p:pic>
         <p:nvPicPr>
-          <p:cNvPr id="5" name="Picture 4">
-            <a:extLst>
-              <a:ext uri="{FF2B5EF4-FFF2-40B4-BE49-F238E27FC236}">
-                <a16:creationId xmlns:a16="http://schemas.microsoft.com/office/drawing/2014/main" id="{7C80816E-2B86-D343-99AD-CD5C426B39FD}"/>
+          <p:cNvPr id="20" name="Picture 19">
+            <a:extLst>
+              <a:ext uri="{FF2B5EF4-FFF2-40B4-BE49-F238E27FC236}">
+                <a16:creationId xmlns:a16="http://schemas.microsoft.com/office/drawing/2014/main" id="{863F6C74-7C0A-4A1B-94AD-0373EAB79BEF}"/>
               </a:ext>
             </a:extLst>
           </p:cNvPr>
@@ -17784,8 +17876,98 @@
         </p:blipFill>
         <p:spPr>
           <a:xfrm>
-            <a:off x="2114550" y="1798828"/>
-            <a:ext cx="7315200" cy="4635500"/>
+            <a:off x="6102116" y="4208133"/>
+            <a:ext cx="3667125" cy="2390775"/>
+          </a:xfrm>
+          <a:prstGeom prst="rect">
+            <a:avLst/>
+          </a:prstGeom>
+        </p:spPr>
+      </p:pic>
+      <p:pic>
+        <p:nvPicPr>
+          <p:cNvPr id="22" name="Picture 21">
+            <a:extLst>
+              <a:ext uri="{FF2B5EF4-FFF2-40B4-BE49-F238E27FC236}">
+                <a16:creationId xmlns:a16="http://schemas.microsoft.com/office/drawing/2014/main" id="{5782AE2F-C787-48EB-A7C8-DC738670023A}"/>
+              </a:ext>
+            </a:extLst>
+          </p:cNvPr>
+          <p:cNvPicPr>
+            <a:picLocks noChangeAspect="1"/>
+          </p:cNvPicPr>
+          <p:nvPr/>
+        </p:nvPicPr>
+        <p:blipFill>
+          <a:blip r:embed="rId3"/>
+          <a:stretch>
+            <a:fillRect/>
+          </a:stretch>
+        </p:blipFill>
+        <p:spPr>
+          <a:xfrm>
+            <a:off x="820868" y="4158647"/>
+            <a:ext cx="3667125" cy="2390775"/>
+          </a:xfrm>
+          <a:prstGeom prst="rect">
+            <a:avLst/>
+          </a:prstGeom>
+        </p:spPr>
+      </p:pic>
+      <p:pic>
+        <p:nvPicPr>
+          <p:cNvPr id="24" name="Picture 23">
+            <a:extLst>
+              <a:ext uri="{FF2B5EF4-FFF2-40B4-BE49-F238E27FC236}">
+                <a16:creationId xmlns:a16="http://schemas.microsoft.com/office/drawing/2014/main" id="{102CB64C-471B-4509-9F72-340066869D0D}"/>
+              </a:ext>
+            </a:extLst>
+          </p:cNvPr>
+          <p:cNvPicPr>
+            <a:picLocks noChangeAspect="1"/>
+          </p:cNvPicPr>
+          <p:nvPr/>
+        </p:nvPicPr>
+        <p:blipFill>
+          <a:blip r:embed="rId4"/>
+          <a:stretch>
+            <a:fillRect/>
+          </a:stretch>
+        </p:blipFill>
+        <p:spPr>
+          <a:xfrm>
+            <a:off x="6091238" y="1398059"/>
+            <a:ext cx="3638550" cy="2390775"/>
+          </a:xfrm>
+          <a:prstGeom prst="rect">
+            <a:avLst/>
+          </a:prstGeom>
+        </p:spPr>
+      </p:pic>
+      <p:pic>
+        <p:nvPicPr>
+          <p:cNvPr id="26" name="Picture 25">
+            <a:extLst>
+              <a:ext uri="{FF2B5EF4-FFF2-40B4-BE49-F238E27FC236}">
+                <a16:creationId xmlns:a16="http://schemas.microsoft.com/office/drawing/2014/main" id="{DF22324B-C529-4475-99C9-D0BB6D3742B7}"/>
+              </a:ext>
+            </a:extLst>
+          </p:cNvPr>
+          <p:cNvPicPr>
+            <a:picLocks noChangeAspect="1"/>
+          </p:cNvPicPr>
+          <p:nvPr/>
+        </p:nvPicPr>
+        <p:blipFill>
+          <a:blip r:embed="rId5"/>
+          <a:stretch>
+            <a:fillRect/>
+          </a:stretch>
+        </p:blipFill>
+        <p:spPr>
+          <a:xfrm>
+            <a:off x="839918" y="1398059"/>
+            <a:ext cx="3648075" cy="2390775"/>
           </a:xfrm>
           <a:prstGeom prst="rect">
             <a:avLst/>
@@ -17795,7 +17977,7 @@
     </p:spTree>
     <p:extLst>
       <p:ext uri="{BB962C8B-B14F-4D97-AF65-F5344CB8AC3E}">
-        <p14:creationId xmlns:p14="http://schemas.microsoft.com/office/powerpoint/2010/main" val="3649953957"/>
+        <p14:creationId xmlns:p14="http://schemas.microsoft.com/office/powerpoint/2010/main" val="1169930804"/>
       </p:ext>
     </p:extLst>
   </p:cSld>
@@ -18259,9 +18441,12 @@
           <a:p>
             <a:r>
               <a:rPr lang="en-IN" dirty="0" err="1"/>
-              <a:t>HAris</a:t>
+              <a:t>Haris</a:t>
             </a:r>
-            <a:endParaRPr lang="en-IN" dirty="0"/>
+            <a:r>
+              <a:rPr lang="en-IN" dirty="0"/>
+              <a:t> SUMRA</a:t>
+            </a:r>
           </a:p>
         </p:txBody>
       </p:sp>
@@ -18358,12 +18543,46 @@
           </a:xfrm>
         </p:spPr>
       </p:pic>
+      <p:sp>
+        <p:nvSpPr>
+          <p:cNvPr id="38" name="TextBox 37">
+            <a:extLst>
+              <a:ext uri="{FF2B5EF4-FFF2-40B4-BE49-F238E27FC236}">
+                <a16:creationId xmlns:a16="http://schemas.microsoft.com/office/drawing/2014/main" id="{12247A19-3D06-4F8A-AF39-AD6D584E8F18}"/>
+              </a:ext>
+            </a:extLst>
+          </p:cNvPr>
+          <p:cNvSpPr txBox="1"/>
+          <p:nvPr/>
+        </p:nvSpPr>
+        <p:spPr>
+          <a:xfrm>
+            <a:off x="195072" y="6010656"/>
+            <a:ext cx="1694688" cy="847344"/>
+          </a:xfrm>
+          <a:prstGeom prst="rect">
+            <a:avLst/>
+          </a:prstGeom>
+          <a:solidFill>
+            <a:schemeClr val="bg1"/>
+          </a:solidFill>
+        </p:spPr>
+        <p:txBody>
+          <a:bodyPr wrap="square" rtlCol="0">
+            <a:spAutoFit/>
+          </a:bodyPr>
+          <a:lstStyle/>
+          <a:p>
+            <a:endParaRPr lang="en-US" dirty="0"/>
+          </a:p>
+        </p:txBody>
+      </p:sp>
       <p:pic>
         <p:nvPicPr>
-          <p:cNvPr id="36" name="Picture Placeholder 35">
-            <a:extLst>
-              <a:ext uri="{FF2B5EF4-FFF2-40B4-BE49-F238E27FC236}">
-                <a16:creationId xmlns:a16="http://schemas.microsoft.com/office/drawing/2014/main" id="{24624F08-340D-4F41-A24C-5B6EF9567EA7}"/>
+          <p:cNvPr id="8" name="Picture Placeholder 7">
+            <a:extLst>
+              <a:ext uri="{FF2B5EF4-FFF2-40B4-BE49-F238E27FC236}">
+                <a16:creationId xmlns:a16="http://schemas.microsoft.com/office/drawing/2014/main" id="{400FE6E8-1704-4647-9D46-83FAA00C450D}"/>
               </a:ext>
             </a:extLst>
           </p:cNvPr>
@@ -18376,52 +18595,18 @@
         </p:nvPicPr>
         <p:blipFill>
           <a:blip r:embed="rId5"/>
-          <a:srcRect/>
+          <a:srcRect l="360" r="360"/>
           <a:stretch>
             <a:fillRect/>
           </a:stretch>
         </p:blipFill>
         <p:spPr>
           <a:xfrm>
-            <a:off x="3957037" y="1848535"/>
+            <a:off x="3957036" y="1895846"/>
             <a:ext cx="1430337" cy="1430337"/>
           </a:xfrm>
         </p:spPr>
       </p:pic>
-      <p:sp>
-        <p:nvSpPr>
-          <p:cNvPr id="38" name="TextBox 37">
-            <a:extLst>
-              <a:ext uri="{FF2B5EF4-FFF2-40B4-BE49-F238E27FC236}">
-                <a16:creationId xmlns:a16="http://schemas.microsoft.com/office/drawing/2014/main" id="{12247A19-3D06-4F8A-AF39-AD6D584E8F18}"/>
-              </a:ext>
-            </a:extLst>
-          </p:cNvPr>
-          <p:cNvSpPr txBox="1"/>
-          <p:nvPr/>
-        </p:nvSpPr>
-        <p:spPr>
-          <a:xfrm>
-            <a:off x="195072" y="6010656"/>
-            <a:ext cx="1694688" cy="847344"/>
-          </a:xfrm>
-          <a:prstGeom prst="rect">
-            <a:avLst/>
-          </a:prstGeom>
-          <a:solidFill>
-            <a:schemeClr val="bg1"/>
-          </a:solidFill>
-        </p:spPr>
-        <p:txBody>
-          <a:bodyPr wrap="square" rtlCol="0">
-            <a:spAutoFit/>
-          </a:bodyPr>
-          <a:lstStyle/>
-          <a:p>
-            <a:endParaRPr lang="en-US" dirty="0"/>
-          </a:p>
-        </p:txBody>
-      </p:sp>
     </p:spTree>
     <p:extLst>
       <p:ext uri="{BB962C8B-B14F-4D97-AF65-F5344CB8AC3E}">
@@ -19463,13 +19648,8 @@
           <a:p>
             <a:r>
               <a:rPr lang="en-IN" dirty="0"/>
-              <a:t>Music videos on </a:t>
+              <a:t>LIKES/VIEWS</a:t>
             </a:r>
-            <a:r>
-              <a:rPr lang="en-IN" dirty="0" err="1"/>
-              <a:t>Youtube</a:t>
-            </a:r>
-            <a:endParaRPr lang="en-IN" dirty="0"/>
           </a:p>
         </p:txBody>
       </p:sp>
@@ -19539,10 +19719,10 @@
       </p:sp>
       <p:pic>
         <p:nvPicPr>
-          <p:cNvPr id="10" name="Picture 9">
-            <a:extLst>
-              <a:ext uri="{FF2B5EF4-FFF2-40B4-BE49-F238E27FC236}">
-                <a16:creationId xmlns:a16="http://schemas.microsoft.com/office/drawing/2014/main" id="{2DCCCD29-E9E2-8E44-B78F-EB25CD93196C}"/>
+          <p:cNvPr id="5" name="Picture 4">
+            <a:extLst>
+              <a:ext uri="{FF2B5EF4-FFF2-40B4-BE49-F238E27FC236}">
+                <a16:creationId xmlns:a16="http://schemas.microsoft.com/office/drawing/2014/main" id="{7C80816E-2B86-D343-99AD-CD5C426B39FD}"/>
               </a:ext>
             </a:extLst>
           </p:cNvPr>
@@ -19559,104 +19739,18 @@
         </p:blipFill>
         <p:spPr>
           <a:xfrm>
-            <a:off x="3077736" y="3112433"/>
-            <a:ext cx="3738601" cy="3099003"/>
+            <a:off x="2114550" y="1798828"/>
+            <a:ext cx="7315200" cy="4635500"/>
           </a:xfrm>
           <a:prstGeom prst="rect">
             <a:avLst/>
           </a:prstGeom>
         </p:spPr>
       </p:pic>
-      <p:pic>
-        <p:nvPicPr>
-          <p:cNvPr id="12" name="Picture 11">
-            <a:extLst>
-              <a:ext uri="{FF2B5EF4-FFF2-40B4-BE49-F238E27FC236}">
-                <a16:creationId xmlns:a16="http://schemas.microsoft.com/office/drawing/2014/main" id="{99759AAE-8F68-8042-A50C-E9787A1AB8C7}"/>
-              </a:ext>
-            </a:extLst>
-          </p:cNvPr>
-          <p:cNvPicPr>
-            <a:picLocks noChangeAspect="1"/>
-          </p:cNvPicPr>
-          <p:nvPr/>
-        </p:nvPicPr>
-        <p:blipFill>
-          <a:blip r:embed="rId3"/>
-          <a:stretch>
-            <a:fillRect/>
-          </a:stretch>
-        </p:blipFill>
-        <p:spPr>
-          <a:xfrm>
-            <a:off x="334784" y="1343603"/>
-            <a:ext cx="3109952" cy="3141686"/>
-          </a:xfrm>
-          <a:prstGeom prst="rect">
-            <a:avLst/>
-          </a:prstGeom>
-        </p:spPr>
-      </p:pic>
-      <p:sp>
-        <p:nvSpPr>
-          <p:cNvPr id="13" name="TextBox 12">
-            <a:extLst>
-              <a:ext uri="{FF2B5EF4-FFF2-40B4-BE49-F238E27FC236}">
-                <a16:creationId xmlns:a16="http://schemas.microsoft.com/office/drawing/2014/main" id="{B61523D6-9E7F-A243-B034-8A6F4B300FF0}"/>
-              </a:ext>
-            </a:extLst>
-          </p:cNvPr>
-          <p:cNvSpPr txBox="1"/>
-          <p:nvPr/>
-        </p:nvSpPr>
-        <p:spPr>
-          <a:xfrm>
-            <a:off x="6816337" y="1951463"/>
-            <a:ext cx="5082014" cy="1754326"/>
-          </a:xfrm>
-          <a:prstGeom prst="rect">
-            <a:avLst/>
-          </a:prstGeom>
-          <a:noFill/>
-        </p:spPr>
-        <p:txBody>
-          <a:bodyPr wrap="square" rtlCol="0">
-            <a:spAutoFit/>
-          </a:bodyPr>
-          <a:lstStyle/>
-          <a:p>
-            <a:pPr marL="285750" indent="-285750">
-              <a:buFont typeface="Arial" panose="020B0604020202020204" pitchFamily="34" charset="0"/>
-              <a:buChar char="•"/>
-            </a:pPr>
-            <a:r>
-              <a:rPr lang="en-US" dirty="0"/>
-              <a:t>Music videos only represent 15.8% (6472) of the total videos (40,949) trending.</a:t>
-            </a:r>
-          </a:p>
-          <a:p>
-            <a:pPr marL="285750" indent="-285750">
-              <a:buFont typeface="Arial" panose="020B0604020202020204" pitchFamily="34" charset="0"/>
-              <a:buChar char="•"/>
-            </a:pPr>
-            <a:endParaRPr lang="en-US" dirty="0"/>
-          </a:p>
-          <a:p>
-            <a:pPr marL="285750" indent="-285750">
-              <a:buFont typeface="Arial" panose="020B0604020202020204" pitchFamily="34" charset="0"/>
-              <a:buChar char="•"/>
-            </a:pPr>
-            <a:r>
-              <a:rPr lang="en-US" dirty="0"/>
-              <a:t>While only 15.8% music videos receive the most likes out of any other category at 46.6% of total overall. </a:t>
-            </a:r>
-          </a:p>
-        </p:txBody>
-      </p:sp>
     </p:spTree>
     <p:extLst>
       <p:ext uri="{BB962C8B-B14F-4D97-AF65-F5344CB8AC3E}">
-        <p14:creationId xmlns:p14="http://schemas.microsoft.com/office/powerpoint/2010/main" val="1818894342"/>
+        <p14:creationId xmlns:p14="http://schemas.microsoft.com/office/powerpoint/2010/main" val="3649953957"/>
       </p:ext>
     </p:extLst>
   </p:cSld>
@@ -19683,12 +19777,104 @@
           <a:chExt cx="0" cy="0"/>
         </a:xfrm>
       </p:grpSpPr>
+      <p:sp>
+        <p:nvSpPr>
+          <p:cNvPr id="2" name="Title 1">
+            <a:extLst>
+              <a:ext uri="{FF2B5EF4-FFF2-40B4-BE49-F238E27FC236}">
+                <a16:creationId xmlns:a16="http://schemas.microsoft.com/office/drawing/2014/main" id="{4332B532-EB3E-428B-9224-EFA237D16A73}"/>
+              </a:ext>
+            </a:extLst>
+          </p:cNvPr>
+          <p:cNvSpPr>
+            <a:spLocks noGrp="1"/>
+          </p:cNvSpPr>
+          <p:nvPr>
+            <p:ph type="title"/>
+          </p:nvPr>
+        </p:nvSpPr>
+        <p:spPr/>
+        <p:txBody>
+          <a:bodyPr/>
+          <a:lstStyle/>
+          <a:p>
+            <a:r>
+              <a:rPr lang="en-IN" dirty="0"/>
+              <a:t>VIDEO COUNTS IN THE US</a:t>
+            </a:r>
+          </a:p>
+        </p:txBody>
+      </p:sp>
+      <p:sp>
+        <p:nvSpPr>
+          <p:cNvPr id="3" name="Slide Number Placeholder 2">
+            <a:extLst>
+              <a:ext uri="{FF2B5EF4-FFF2-40B4-BE49-F238E27FC236}">
+                <a16:creationId xmlns:a16="http://schemas.microsoft.com/office/drawing/2014/main" id="{EB5F9B50-CED9-4961-91E8-058BE256771F}"/>
+              </a:ext>
+            </a:extLst>
+          </p:cNvPr>
+          <p:cNvSpPr>
+            <a:spLocks noGrp="1"/>
+          </p:cNvSpPr>
+          <p:nvPr>
+            <p:ph type="sldNum" sz="quarter" idx="12"/>
+          </p:nvPr>
+        </p:nvSpPr>
+        <p:spPr/>
+        <p:txBody>
+          <a:bodyPr/>
+          <a:lstStyle/>
+          <a:p>
+            <a:fld id="{9EC71654-96A5-4280-94F3-931C61A9F92C}" type="slidenum">
+              <a:rPr lang="en-IN" smtClean="0"/>
+              <a:pPr/>
+              <a:t>9</a:t>
+            </a:fld>
+            <a:endParaRPr lang="en-IN" dirty="0"/>
+          </a:p>
+        </p:txBody>
+      </p:sp>
+      <p:sp>
+        <p:nvSpPr>
+          <p:cNvPr id="7" name="TextBox 6">
+            <a:extLst>
+              <a:ext uri="{FF2B5EF4-FFF2-40B4-BE49-F238E27FC236}">
+                <a16:creationId xmlns:a16="http://schemas.microsoft.com/office/drawing/2014/main" id="{677EE214-B74B-4C2E-B019-51E5F3E479FE}"/>
+              </a:ext>
+            </a:extLst>
+          </p:cNvPr>
+          <p:cNvSpPr txBox="1"/>
+          <p:nvPr/>
+        </p:nvSpPr>
+        <p:spPr>
+          <a:xfrm>
+            <a:off x="195072" y="6010656"/>
+            <a:ext cx="1694688" cy="847344"/>
+          </a:xfrm>
+          <a:prstGeom prst="rect">
+            <a:avLst/>
+          </a:prstGeom>
+          <a:solidFill>
+            <a:schemeClr val="bg1"/>
+          </a:solidFill>
+        </p:spPr>
+        <p:txBody>
+          <a:bodyPr wrap="square" rtlCol="0">
+            <a:spAutoFit/>
+          </a:bodyPr>
+          <a:lstStyle/>
+          <a:p>
+            <a:endParaRPr lang="en-US" dirty="0"/>
+          </a:p>
+        </p:txBody>
+      </p:sp>
       <p:pic>
         <p:nvPicPr>
-          <p:cNvPr id="8" name="Picture 7">
-            <a:extLst>
-              <a:ext uri="{FF2B5EF4-FFF2-40B4-BE49-F238E27FC236}">
-                <a16:creationId xmlns:a16="http://schemas.microsoft.com/office/drawing/2014/main" id="{A5F10E97-14D0-DD4F-81DC-0FC525EBA11C}"/>
+          <p:cNvPr id="6" name="Picture 5">
+            <a:extLst>
+              <a:ext uri="{FF2B5EF4-FFF2-40B4-BE49-F238E27FC236}">
+                <a16:creationId xmlns:a16="http://schemas.microsoft.com/office/drawing/2014/main" id="{E29BC130-F9B7-4E49-B06C-596E7736B360}"/>
               </a:ext>
             </a:extLst>
           </p:cNvPr>
@@ -19705,191 +19891,8 @@
         </p:blipFill>
         <p:spPr>
           <a:xfrm>
-            <a:off x="3570552" y="2541299"/>
-            <a:ext cx="3606944" cy="3421106"/>
-          </a:xfrm>
-          <a:prstGeom prst="rect">
-            <a:avLst/>
-          </a:prstGeom>
-        </p:spPr>
-      </p:pic>
-      <p:sp>
-        <p:nvSpPr>
-          <p:cNvPr id="2" name="Title 1">
-            <a:extLst>
-              <a:ext uri="{FF2B5EF4-FFF2-40B4-BE49-F238E27FC236}">
-                <a16:creationId xmlns:a16="http://schemas.microsoft.com/office/drawing/2014/main" id="{4332B532-EB3E-428B-9224-EFA237D16A73}"/>
-              </a:ext>
-            </a:extLst>
-          </p:cNvPr>
-          <p:cNvSpPr>
-            <a:spLocks noGrp="1"/>
-          </p:cNvSpPr>
-          <p:nvPr>
-            <p:ph type="title"/>
-          </p:nvPr>
-        </p:nvSpPr>
-        <p:spPr/>
-        <p:txBody>
-          <a:bodyPr/>
-          <a:lstStyle/>
-          <a:p>
-            <a:r>
-              <a:rPr lang="en-IN" dirty="0"/>
-              <a:t>Entertainment videos on </a:t>
-            </a:r>
-            <a:r>
-              <a:rPr lang="en-IN" dirty="0" err="1"/>
-              <a:t>Youtube</a:t>
-            </a:r>
-            <a:endParaRPr lang="en-IN" dirty="0"/>
-          </a:p>
-        </p:txBody>
-      </p:sp>
-      <p:sp>
-        <p:nvSpPr>
-          <p:cNvPr id="3" name="Slide Number Placeholder 2">
-            <a:extLst>
-              <a:ext uri="{FF2B5EF4-FFF2-40B4-BE49-F238E27FC236}">
-                <a16:creationId xmlns:a16="http://schemas.microsoft.com/office/drawing/2014/main" id="{EB5F9B50-CED9-4961-91E8-058BE256771F}"/>
-              </a:ext>
-            </a:extLst>
-          </p:cNvPr>
-          <p:cNvSpPr>
-            <a:spLocks noGrp="1"/>
-          </p:cNvSpPr>
-          <p:nvPr>
-            <p:ph type="sldNum" sz="quarter" idx="12"/>
-          </p:nvPr>
-        </p:nvSpPr>
-        <p:spPr/>
-        <p:txBody>
-          <a:bodyPr/>
-          <a:lstStyle/>
-          <a:p>
-            <a:fld id="{9EC71654-96A5-4280-94F3-931C61A9F92C}" type="slidenum">
-              <a:rPr lang="en-IN" smtClean="0"/>
-              <a:pPr/>
-              <a:t>9</a:t>
-            </a:fld>
-            <a:endParaRPr lang="en-IN" dirty="0"/>
-          </a:p>
-        </p:txBody>
-      </p:sp>
-      <p:sp>
-        <p:nvSpPr>
-          <p:cNvPr id="7" name="TextBox 6">
-            <a:extLst>
-              <a:ext uri="{FF2B5EF4-FFF2-40B4-BE49-F238E27FC236}">
-                <a16:creationId xmlns:a16="http://schemas.microsoft.com/office/drawing/2014/main" id="{677EE214-B74B-4C2E-B019-51E5F3E479FE}"/>
-              </a:ext>
-            </a:extLst>
-          </p:cNvPr>
-          <p:cNvSpPr txBox="1"/>
-          <p:nvPr/>
-        </p:nvSpPr>
-        <p:spPr>
-          <a:xfrm>
-            <a:off x="195072" y="6010656"/>
-            <a:ext cx="1694688" cy="847344"/>
-          </a:xfrm>
-          <a:prstGeom prst="rect">
-            <a:avLst/>
-          </a:prstGeom>
-          <a:solidFill>
-            <a:schemeClr val="bg1"/>
-          </a:solidFill>
-        </p:spPr>
-        <p:txBody>
-          <a:bodyPr wrap="square" rtlCol="0">
-            <a:spAutoFit/>
-          </a:bodyPr>
-          <a:lstStyle/>
-          <a:p>
-            <a:endParaRPr lang="en-US" dirty="0"/>
-          </a:p>
-        </p:txBody>
-      </p:sp>
-      <p:sp>
-        <p:nvSpPr>
-          <p:cNvPr id="13" name="TextBox 12">
-            <a:extLst>
-              <a:ext uri="{FF2B5EF4-FFF2-40B4-BE49-F238E27FC236}">
-                <a16:creationId xmlns:a16="http://schemas.microsoft.com/office/drawing/2014/main" id="{B61523D6-9E7F-A243-B034-8A6F4B300FF0}"/>
-              </a:ext>
-            </a:extLst>
-          </p:cNvPr>
-          <p:cNvSpPr txBox="1"/>
-          <p:nvPr/>
-        </p:nvSpPr>
-        <p:spPr>
-          <a:xfrm>
-            <a:off x="6816337" y="1951463"/>
-            <a:ext cx="5082014" cy="1754326"/>
-          </a:xfrm>
-          <a:prstGeom prst="rect">
-            <a:avLst/>
-          </a:prstGeom>
-          <a:noFill/>
-        </p:spPr>
-        <p:txBody>
-          <a:bodyPr wrap="square" rtlCol="0">
-            <a:spAutoFit/>
-          </a:bodyPr>
-          <a:lstStyle/>
-          <a:p>
-            <a:pPr marL="285750" indent="-285750">
-              <a:buFont typeface="Arial" panose="020B0604020202020204" pitchFamily="34" charset="0"/>
-              <a:buChar char="•"/>
-            </a:pPr>
-            <a:r>
-              <a:rPr lang="en-US" dirty="0"/>
-              <a:t>Entertainment videos only represent 24.3% (9964) of the total videos (40,949) trending.</a:t>
-            </a:r>
-          </a:p>
-          <a:p>
-            <a:pPr marL="285750" indent="-285750">
-              <a:buFont typeface="Arial" panose="020B0604020202020204" pitchFamily="34" charset="0"/>
-              <a:buChar char="•"/>
-            </a:pPr>
-            <a:endParaRPr lang="en-US" dirty="0"/>
-          </a:p>
-          <a:p>
-            <a:pPr marL="285750" indent="-285750">
-              <a:buFont typeface="Arial" panose="020B0604020202020204" pitchFamily="34" charset="0"/>
-              <a:buChar char="•"/>
-            </a:pPr>
-            <a:r>
-              <a:rPr lang="en-US" dirty="0"/>
-              <a:t>The entertainment category is 8.5% larger than the music category but receives significantly less likes, a difference of 29.2% (888,014,982) likes.</a:t>
-            </a:r>
-          </a:p>
-        </p:txBody>
-      </p:sp>
-      <p:pic>
-        <p:nvPicPr>
-          <p:cNvPr id="5" name="Picture 4">
-            <a:extLst>
-              <a:ext uri="{FF2B5EF4-FFF2-40B4-BE49-F238E27FC236}">
-                <a16:creationId xmlns:a16="http://schemas.microsoft.com/office/drawing/2014/main" id="{6FBAE6AB-6EC7-3D44-A218-2778FC3AD8E9}"/>
-              </a:ext>
-            </a:extLst>
-          </p:cNvPr>
-          <p:cNvPicPr>
-            <a:picLocks noChangeAspect="1"/>
-          </p:cNvPicPr>
-          <p:nvPr/>
-        </p:nvPicPr>
-        <p:blipFill>
-          <a:blip r:embed="rId3"/>
-          <a:stretch>
-            <a:fillRect/>
-          </a:stretch>
-        </p:blipFill>
-        <p:spPr>
-          <a:xfrm>
-            <a:off x="113991" y="1166957"/>
-            <a:ext cx="3456561" cy="2836331"/>
+            <a:off x="1889760" y="1736122"/>
+            <a:ext cx="8354378" cy="4813300"/>
           </a:xfrm>
           <a:prstGeom prst="rect">
             <a:avLst/>
@@ -19899,7 +19902,7 @@
     </p:spTree>
     <p:extLst>
       <p:ext uri="{BB962C8B-B14F-4D97-AF65-F5344CB8AC3E}">
-        <p14:creationId xmlns:p14="http://schemas.microsoft.com/office/powerpoint/2010/main" val="4211556157"/>
+        <p14:creationId xmlns:p14="http://schemas.microsoft.com/office/powerpoint/2010/main" val="2277905129"/>
       </p:ext>
     </p:extLst>
   </p:cSld>
@@ -20406,15 +20409,6 @@
 </file>
 
 <file path=customXml/item1.xml><?xml version="1.0" encoding="utf-8"?>
-<?mso-contentType ?>
-<FormTemplates xmlns="http://schemas.microsoft.com/sharepoint/v3/contenttype/forms">
-  <Display>DocumentLibraryForm</Display>
-  <Edit>DocumentLibraryForm</Edit>
-  <New>DocumentLibraryForm</New>
-</FormTemplates>
-</file>
-
-<file path=customXml/item2.xml><?xml version="1.0" encoding="utf-8"?>
 <ct:contentTypeSchema xmlns:ct="http://schemas.microsoft.com/office/2006/metadata/contentType" xmlns:ma="http://schemas.microsoft.com/office/2006/metadata/properties/metaAttributes" ct:_="" ma:_="" ma:contentTypeName="Document" ma:contentTypeID="0x01010079F111ED35F8CC479449609E8A0923A6" ma:contentTypeVersion="10" ma:contentTypeDescription="Create a new document." ma:contentTypeScope="" ma:versionID="e39e7e9e36de66d473ce04bb4ab2dbb8">
   <xsd:schema xmlns:xsd="http://www.w3.org/2001/XMLSchema" xmlns:xs="http://www.w3.org/2001/XMLSchema" xmlns:p="http://schemas.microsoft.com/office/2006/metadata/properties" xmlns:ns2="71af3243-3dd4-4a8d-8c0d-dd76da1f02a5" xmlns:ns3="16c05727-aa75-4e4a-9b5f-8a80a1165891" targetNamespace="http://schemas.microsoft.com/office/2006/metadata/properties" ma:root="true" ma:fieldsID="19dc5994665da46609c24125788630d8" ns2:_="" ns3:_="">
     <xsd:import namespace="71af3243-3dd4-4a8d-8c0d-dd76da1f02a5"/>
@@ -20619,6 +20613,15 @@
 </ct:contentTypeSchema>
 </file>
 
+<file path=customXml/item2.xml><?xml version="1.0" encoding="utf-8"?>
+<?mso-contentType ?>
+<FormTemplates xmlns="http://schemas.microsoft.com/sharepoint/v3/contenttype/forms">
+  <Display>DocumentLibraryForm</Display>
+  <Edit>DocumentLibraryForm</Edit>
+  <New>DocumentLibraryForm</New>
+</FormTemplates>
+</file>
+
 <file path=customXml/item3.xml><?xml version="1.0" encoding="utf-8"?>
 <p:properties xmlns:p="http://schemas.microsoft.com/office/2006/metadata/properties" xmlns:xsi="http://www.w3.org/2001/XMLSchema-instance" xmlns:pc="http://schemas.microsoft.com/office/infopath/2007/PartnerControls">
   <documentManagement>
@@ -20628,14 +20631,6 @@
 </file>
 
 <file path=customXml/itemProps1.xml><?xml version="1.0" encoding="utf-8"?>
-<ds:datastoreItem xmlns:ds="http://schemas.openxmlformats.org/officeDocument/2006/customXml" ds:itemID="{A4C31332-3081-4BD9-AD6F-078B4521F357}">
-  <ds:schemaRefs>
-    <ds:schemaRef ds:uri="http://schemas.microsoft.com/sharepoint/v3/contenttype/forms"/>
-  </ds:schemaRefs>
-</ds:datastoreItem>
-</file>
-
-<file path=customXml/itemProps2.xml><?xml version="1.0" encoding="utf-8"?>
 <ds:datastoreItem xmlns:ds="http://schemas.openxmlformats.org/officeDocument/2006/customXml" ds:itemID="{1FF4E1AF-DB5E-4764-961C-6F82B33E9E6E}">
   <ds:schemaRefs>
     <ds:schemaRef ds:uri="http://schemas.microsoft.com/office/2006/metadata/contentType"/>
@@ -20650,6 +20645,14 @@
     <ds:schemaRef ds:uri="http://purl.org/dc/elements/1.1/"/>
     <ds:schemaRef ds:uri="http://purl.org/dc/terms/"/>
     <ds:schemaRef ds:uri="http://schemas.microsoft.com/internal/obd"/>
+  </ds:schemaRefs>
+</ds:datastoreItem>
+</file>
+
+<file path=customXml/itemProps2.xml><?xml version="1.0" encoding="utf-8"?>
+<ds:datastoreItem xmlns:ds="http://schemas.openxmlformats.org/officeDocument/2006/customXml" ds:itemID="{A4C31332-3081-4BD9-AD6F-078B4521F357}">
+  <ds:schemaRefs>
+    <ds:schemaRef ds:uri="http://schemas.microsoft.com/sharepoint/v3/contenttype/forms"/>
   </ds:schemaRefs>
 </ds:datastoreItem>
 </file>
